--- a/Testing/01. Integration Testing in Spring Boot.pptx
+++ b/Testing/01. Integration Testing in Spring Boot.pptx
@@ -5,7 +5,7 @@
     <p:sldMasterId id="2147483648" r:id="rId1"/>
   </p:sldMasterIdLst>
   <p:notesMasterIdLst>
-    <p:notesMasterId r:id="rId35"/>
+    <p:notesMasterId r:id="rId37"/>
   </p:notesMasterIdLst>
   <p:sldIdLst>
     <p:sldId id="256" r:id="rId2"/>
@@ -19,28 +19,30 @@
     <p:sldId id="460" r:id="rId10"/>
     <p:sldId id="461" r:id="rId11"/>
     <p:sldId id="462" r:id="rId12"/>
-    <p:sldId id="463" r:id="rId13"/>
-    <p:sldId id="465" r:id="rId14"/>
-    <p:sldId id="466" r:id="rId15"/>
-    <p:sldId id="467" r:id="rId16"/>
-    <p:sldId id="468" r:id="rId17"/>
-    <p:sldId id="469" r:id="rId18"/>
-    <p:sldId id="470" r:id="rId19"/>
-    <p:sldId id="478" r:id="rId20"/>
-    <p:sldId id="480" r:id="rId21"/>
-    <p:sldId id="481" r:id="rId22"/>
-    <p:sldId id="482" r:id="rId23"/>
-    <p:sldId id="477" r:id="rId24"/>
-    <p:sldId id="483" r:id="rId25"/>
-    <p:sldId id="484" r:id="rId26"/>
-    <p:sldId id="485" r:id="rId27"/>
-    <p:sldId id="486" r:id="rId28"/>
-    <p:sldId id="471" r:id="rId29"/>
-    <p:sldId id="472" r:id="rId30"/>
-    <p:sldId id="473" r:id="rId31"/>
-    <p:sldId id="474" r:id="rId32"/>
-    <p:sldId id="475" r:id="rId33"/>
-    <p:sldId id="476" r:id="rId34"/>
+    <p:sldId id="487" r:id="rId13"/>
+    <p:sldId id="488" r:id="rId14"/>
+    <p:sldId id="463" r:id="rId15"/>
+    <p:sldId id="465" r:id="rId16"/>
+    <p:sldId id="466" r:id="rId17"/>
+    <p:sldId id="467" r:id="rId18"/>
+    <p:sldId id="468" r:id="rId19"/>
+    <p:sldId id="469" r:id="rId20"/>
+    <p:sldId id="470" r:id="rId21"/>
+    <p:sldId id="478" r:id="rId22"/>
+    <p:sldId id="480" r:id="rId23"/>
+    <p:sldId id="481" r:id="rId24"/>
+    <p:sldId id="482" r:id="rId25"/>
+    <p:sldId id="477" r:id="rId26"/>
+    <p:sldId id="483" r:id="rId27"/>
+    <p:sldId id="484" r:id="rId28"/>
+    <p:sldId id="485" r:id="rId29"/>
+    <p:sldId id="486" r:id="rId30"/>
+    <p:sldId id="471" r:id="rId31"/>
+    <p:sldId id="472" r:id="rId32"/>
+    <p:sldId id="473" r:id="rId33"/>
+    <p:sldId id="474" r:id="rId34"/>
+    <p:sldId id="475" r:id="rId35"/>
+    <p:sldId id="476" r:id="rId36"/>
   </p:sldIdLst>
   <p:sldSz cx="12192000" cy="6858000"/>
   <p:notesSz cx="6858000" cy="9144000"/>
@@ -235,7 +237,7 @@
           <a:p>
             <a:fld id="{1BA909BF-503D-46EF-A7F0-824009663C50}" type="datetimeFigureOut">
               <a:rPr lang="ko-KR" altLang="en-US" smtClean="0"/>
-              <a:t>2023-03-23</a:t>
+              <a:t>2023-03-24</a:t>
             </a:fld>
             <a:endParaRPr lang="ko-KR" altLang="en-US"/>
           </a:p>
@@ -744,7 +746,7 @@
     </p:spTree>
     <p:extLst>
       <p:ext uri="{BB962C8B-B14F-4D97-AF65-F5344CB8AC3E}">
-        <p14:creationId xmlns:p14="http://schemas.microsoft.com/office/powerpoint/2010/main" val="4291572808"/>
+        <p14:creationId xmlns:p14="http://schemas.microsoft.com/office/powerpoint/2010/main" val="995843637"/>
       </p:ext>
     </p:extLst>
   </p:cSld>
@@ -828,7 +830,7 @@
     </p:spTree>
     <p:extLst>
       <p:ext uri="{BB962C8B-B14F-4D97-AF65-F5344CB8AC3E}">
-        <p14:creationId xmlns:p14="http://schemas.microsoft.com/office/powerpoint/2010/main" val="3071929368"/>
+        <p14:creationId xmlns:p14="http://schemas.microsoft.com/office/powerpoint/2010/main" val="2965529883"/>
       </p:ext>
     </p:extLst>
   </p:cSld>
@@ -912,7 +914,7 @@
     </p:spTree>
     <p:extLst>
       <p:ext uri="{BB962C8B-B14F-4D97-AF65-F5344CB8AC3E}">
-        <p14:creationId xmlns:p14="http://schemas.microsoft.com/office/powerpoint/2010/main" val="2694730356"/>
+        <p14:creationId xmlns:p14="http://schemas.microsoft.com/office/powerpoint/2010/main" val="4291572808"/>
       </p:ext>
     </p:extLst>
   </p:cSld>
@@ -996,7 +998,7 @@
     </p:spTree>
     <p:extLst>
       <p:ext uri="{BB962C8B-B14F-4D97-AF65-F5344CB8AC3E}">
-        <p14:creationId xmlns:p14="http://schemas.microsoft.com/office/powerpoint/2010/main" val="1650578457"/>
+        <p14:creationId xmlns:p14="http://schemas.microsoft.com/office/powerpoint/2010/main" val="3071929368"/>
       </p:ext>
     </p:extLst>
   </p:cSld>
@@ -1080,7 +1082,7 @@
     </p:spTree>
     <p:extLst>
       <p:ext uri="{BB962C8B-B14F-4D97-AF65-F5344CB8AC3E}">
-        <p14:creationId xmlns:p14="http://schemas.microsoft.com/office/powerpoint/2010/main" val="504826893"/>
+        <p14:creationId xmlns:p14="http://schemas.microsoft.com/office/powerpoint/2010/main" val="2694730356"/>
       </p:ext>
     </p:extLst>
   </p:cSld>
@@ -1164,7 +1166,7 @@
     </p:spTree>
     <p:extLst>
       <p:ext uri="{BB962C8B-B14F-4D97-AF65-F5344CB8AC3E}">
-        <p14:creationId xmlns:p14="http://schemas.microsoft.com/office/powerpoint/2010/main" val="795329912"/>
+        <p14:creationId xmlns:p14="http://schemas.microsoft.com/office/powerpoint/2010/main" val="1650578457"/>
       </p:ext>
     </p:extLst>
   </p:cSld>
@@ -1248,7 +1250,7 @@
     </p:spTree>
     <p:extLst>
       <p:ext uri="{BB962C8B-B14F-4D97-AF65-F5344CB8AC3E}">
-        <p14:creationId xmlns:p14="http://schemas.microsoft.com/office/powerpoint/2010/main" val="1568398708"/>
+        <p14:creationId xmlns:p14="http://schemas.microsoft.com/office/powerpoint/2010/main" val="504826893"/>
       </p:ext>
     </p:extLst>
   </p:cSld>
@@ -1332,7 +1334,7 @@
     </p:spTree>
     <p:extLst>
       <p:ext uri="{BB962C8B-B14F-4D97-AF65-F5344CB8AC3E}">
-        <p14:creationId xmlns:p14="http://schemas.microsoft.com/office/powerpoint/2010/main" val="3459079179"/>
+        <p14:creationId xmlns:p14="http://schemas.microsoft.com/office/powerpoint/2010/main" val="795329912"/>
       </p:ext>
     </p:extLst>
   </p:cSld>
@@ -1416,7 +1418,7 @@
     </p:spTree>
     <p:extLst>
       <p:ext uri="{BB962C8B-B14F-4D97-AF65-F5344CB8AC3E}">
-        <p14:creationId xmlns:p14="http://schemas.microsoft.com/office/powerpoint/2010/main" val="709054827"/>
+        <p14:creationId xmlns:p14="http://schemas.microsoft.com/office/powerpoint/2010/main" val="1568398708"/>
       </p:ext>
     </p:extLst>
   </p:cSld>
@@ -1584,7 +1586,7 @@
     </p:spTree>
     <p:extLst>
       <p:ext uri="{BB962C8B-B14F-4D97-AF65-F5344CB8AC3E}">
-        <p14:creationId xmlns:p14="http://schemas.microsoft.com/office/powerpoint/2010/main" val="3959001269"/>
+        <p14:creationId xmlns:p14="http://schemas.microsoft.com/office/powerpoint/2010/main" val="3459079179"/>
       </p:ext>
     </p:extLst>
   </p:cSld>
@@ -1668,7 +1670,7 @@
     </p:spTree>
     <p:extLst>
       <p:ext uri="{BB962C8B-B14F-4D97-AF65-F5344CB8AC3E}">
-        <p14:creationId xmlns:p14="http://schemas.microsoft.com/office/powerpoint/2010/main" val="61702533"/>
+        <p14:creationId xmlns:p14="http://schemas.microsoft.com/office/powerpoint/2010/main" val="709054827"/>
       </p:ext>
     </p:extLst>
   </p:cSld>
@@ -1752,7 +1754,7 @@
     </p:spTree>
     <p:extLst>
       <p:ext uri="{BB962C8B-B14F-4D97-AF65-F5344CB8AC3E}">
-        <p14:creationId xmlns:p14="http://schemas.microsoft.com/office/powerpoint/2010/main" val="483176507"/>
+        <p14:creationId xmlns:p14="http://schemas.microsoft.com/office/powerpoint/2010/main" val="3959001269"/>
       </p:ext>
     </p:extLst>
   </p:cSld>
@@ -1836,7 +1838,7 @@
     </p:spTree>
     <p:extLst>
       <p:ext uri="{BB962C8B-B14F-4D97-AF65-F5344CB8AC3E}">
-        <p14:creationId xmlns:p14="http://schemas.microsoft.com/office/powerpoint/2010/main" val="2894584628"/>
+        <p14:creationId xmlns:p14="http://schemas.microsoft.com/office/powerpoint/2010/main" val="61702533"/>
       </p:ext>
     </p:extLst>
   </p:cSld>
@@ -1890,54 +1892,6 @@
           <a:bodyPr/>
           <a:lstStyle/>
           <a:p>
-            <a:r>
-              <a:rPr lang="en-US" altLang="ko-KR" dirty="0" err="1"/>
-              <a:t>MockMvc</a:t>
-            </a:r>
-            <a:r>
-              <a:rPr lang="ko-KR" altLang="en-US" dirty="0"/>
-              <a:t>는 서버 입장에서 구현한 </a:t>
-            </a:r>
-            <a:r>
-              <a:rPr lang="en-US" altLang="ko-KR" dirty="0"/>
-              <a:t>API</a:t>
-            </a:r>
-            <a:r>
-              <a:rPr lang="ko-KR" altLang="en-US" dirty="0"/>
-              <a:t>를 통해 비즈니스 로직이 문제없이 수행되는지 테스트를 할 수 있다면</a:t>
-            </a:r>
-            <a:r>
-              <a:rPr lang="en-US" altLang="ko-KR" dirty="0"/>
-              <a:t>, </a:t>
-            </a:r>
-            <a:r>
-              <a:rPr lang="en-US" altLang="ko-KR" dirty="0" err="1"/>
-              <a:t>TestRestTemplate</a:t>
-            </a:r>
-            <a:r>
-              <a:rPr lang="ko-KR" altLang="en-US" dirty="0"/>
-              <a:t>은 클라이언트 입장에서 </a:t>
-            </a:r>
-            <a:r>
-              <a:rPr lang="en-US" altLang="ko-KR" dirty="0" err="1"/>
-              <a:t>RestTemplate</a:t>
-            </a:r>
-            <a:r>
-              <a:rPr lang="ko-KR" altLang="en-US" dirty="0"/>
-              <a:t>을 사용하듯이 테스트를 </a:t>
-            </a:r>
-            <a:r>
-              <a:rPr lang="ko-KR" altLang="en-US" dirty="0" err="1"/>
-              <a:t>수행할수</a:t>
-            </a:r>
-            <a:r>
-              <a:rPr lang="ko-KR" altLang="en-US" dirty="0"/>
-              <a:t> 있다</a:t>
-            </a:r>
-            <a:r>
-              <a:rPr lang="en-US" altLang="ko-KR" dirty="0"/>
-              <a:t>.</a:t>
-            </a:r>
             <a:endParaRPr lang="ko-KR" altLang="en-US" dirty="0"/>
           </a:p>
         </p:txBody>
@@ -1968,7 +1922,7 @@
     </p:spTree>
     <p:extLst>
       <p:ext uri="{BB962C8B-B14F-4D97-AF65-F5344CB8AC3E}">
-        <p14:creationId xmlns:p14="http://schemas.microsoft.com/office/powerpoint/2010/main" val="3011385372"/>
+        <p14:creationId xmlns:p14="http://schemas.microsoft.com/office/powerpoint/2010/main" val="483176507"/>
       </p:ext>
     </p:extLst>
   </p:cSld>
@@ -2052,7 +2006,7 @@
     </p:spTree>
     <p:extLst>
       <p:ext uri="{BB962C8B-B14F-4D97-AF65-F5344CB8AC3E}">
-        <p14:creationId xmlns:p14="http://schemas.microsoft.com/office/powerpoint/2010/main" val="4137424338"/>
+        <p14:creationId xmlns:p14="http://schemas.microsoft.com/office/powerpoint/2010/main" val="2894584628"/>
       </p:ext>
     </p:extLst>
   </p:cSld>
@@ -2106,6 +2060,54 @@
           <a:bodyPr/>
           <a:lstStyle/>
           <a:p>
+            <a:r>
+              <a:rPr lang="en-US" altLang="ko-KR" dirty="0" err="1"/>
+              <a:t>MockMvc</a:t>
+            </a:r>
+            <a:r>
+              <a:rPr lang="ko-KR" altLang="en-US" dirty="0"/>
+              <a:t>는 서버 입장에서 구현한 </a:t>
+            </a:r>
+            <a:r>
+              <a:rPr lang="en-US" altLang="ko-KR" dirty="0"/>
+              <a:t>API</a:t>
+            </a:r>
+            <a:r>
+              <a:rPr lang="ko-KR" altLang="en-US" dirty="0"/>
+              <a:t>를 통해 비즈니스 로직이 문제없이 수행되는지 테스트를 할 수 있다면</a:t>
+            </a:r>
+            <a:r>
+              <a:rPr lang="en-US" altLang="ko-KR" dirty="0"/>
+              <a:t>, </a:t>
+            </a:r>
+            <a:r>
+              <a:rPr lang="en-US" altLang="ko-KR" dirty="0" err="1"/>
+              <a:t>TestRestTemplate</a:t>
+            </a:r>
+            <a:r>
+              <a:rPr lang="ko-KR" altLang="en-US" dirty="0"/>
+              <a:t>은 클라이언트 입장에서 </a:t>
+            </a:r>
+            <a:r>
+              <a:rPr lang="en-US" altLang="ko-KR" dirty="0" err="1"/>
+              <a:t>RestTemplate</a:t>
+            </a:r>
+            <a:r>
+              <a:rPr lang="ko-KR" altLang="en-US" dirty="0"/>
+              <a:t>을 사용하듯이 테스트를 </a:t>
+            </a:r>
+            <a:r>
+              <a:rPr lang="ko-KR" altLang="en-US" dirty="0" err="1"/>
+              <a:t>수행할수</a:t>
+            </a:r>
+            <a:r>
+              <a:rPr lang="ko-KR" altLang="en-US" dirty="0"/>
+              <a:t> 있다</a:t>
+            </a:r>
+            <a:r>
+              <a:rPr lang="en-US" altLang="ko-KR" dirty="0"/>
+              <a:t>.</a:t>
+            </a:r>
             <a:endParaRPr lang="ko-KR" altLang="en-US" dirty="0"/>
           </a:p>
         </p:txBody>
@@ -2136,7 +2138,7 @@
     </p:spTree>
     <p:extLst>
       <p:ext uri="{BB962C8B-B14F-4D97-AF65-F5344CB8AC3E}">
-        <p14:creationId xmlns:p14="http://schemas.microsoft.com/office/powerpoint/2010/main" val="1262046215"/>
+        <p14:creationId xmlns:p14="http://schemas.microsoft.com/office/powerpoint/2010/main" val="3011385372"/>
       </p:ext>
     </p:extLst>
   </p:cSld>
@@ -2211,7 +2213,7 @@
           <a:p>
             <a:fld id="{19F5C388-934A-4DC6-9185-7480E02DF183}" type="slidenum">
               <a:rPr lang="ko-KR" altLang="en-US" smtClean="0"/>
-              <a:t>29</a:t>
+              <a:t>28</a:t>
             </a:fld>
             <a:endParaRPr lang="ko-KR" altLang="en-US"/>
           </a:p>
@@ -2220,7 +2222,7 @@
     </p:spTree>
     <p:extLst>
       <p:ext uri="{BB962C8B-B14F-4D97-AF65-F5344CB8AC3E}">
-        <p14:creationId xmlns:p14="http://schemas.microsoft.com/office/powerpoint/2010/main" val="2265706799"/>
+        <p14:creationId xmlns:p14="http://schemas.microsoft.com/office/powerpoint/2010/main" val="4137424338"/>
       </p:ext>
     </p:extLst>
   </p:cSld>
@@ -2295,7 +2297,7 @@
           <a:p>
             <a:fld id="{19F5C388-934A-4DC6-9185-7480E02DF183}" type="slidenum">
               <a:rPr lang="ko-KR" altLang="en-US" smtClean="0"/>
-              <a:t>30</a:t>
+              <a:t>29</a:t>
             </a:fld>
             <a:endParaRPr lang="ko-KR" altLang="en-US"/>
           </a:p>
@@ -2304,7 +2306,7 @@
     </p:spTree>
     <p:extLst>
       <p:ext uri="{BB962C8B-B14F-4D97-AF65-F5344CB8AC3E}">
-        <p14:creationId xmlns:p14="http://schemas.microsoft.com/office/powerpoint/2010/main" val="1275571042"/>
+        <p14:creationId xmlns:p14="http://schemas.microsoft.com/office/powerpoint/2010/main" val="1262046215"/>
       </p:ext>
     </p:extLst>
   </p:cSld>
@@ -2388,7 +2390,7 @@
     </p:spTree>
     <p:extLst>
       <p:ext uri="{BB962C8B-B14F-4D97-AF65-F5344CB8AC3E}">
-        <p14:creationId xmlns:p14="http://schemas.microsoft.com/office/powerpoint/2010/main" val="1415032944"/>
+        <p14:creationId xmlns:p14="http://schemas.microsoft.com/office/powerpoint/2010/main" val="2265706799"/>
       </p:ext>
     </p:extLst>
   </p:cSld>
@@ -2556,7 +2558,7 @@
     </p:spTree>
     <p:extLst>
       <p:ext uri="{BB962C8B-B14F-4D97-AF65-F5344CB8AC3E}">
-        <p14:creationId xmlns:p14="http://schemas.microsoft.com/office/powerpoint/2010/main" val="1045481507"/>
+        <p14:creationId xmlns:p14="http://schemas.microsoft.com/office/powerpoint/2010/main" val="1275571042"/>
       </p:ext>
     </p:extLst>
   </p:cSld>
@@ -2632,6 +2634,174 @@
             <a:fld id="{19F5C388-934A-4DC6-9185-7480E02DF183}" type="slidenum">
               <a:rPr lang="ko-KR" altLang="en-US" smtClean="0"/>
               <a:t>33</a:t>
+            </a:fld>
+            <a:endParaRPr lang="ko-KR" altLang="en-US"/>
+          </a:p>
+        </p:txBody>
+      </p:sp>
+    </p:spTree>
+    <p:extLst>
+      <p:ext uri="{BB962C8B-B14F-4D97-AF65-F5344CB8AC3E}">
+        <p14:creationId xmlns:p14="http://schemas.microsoft.com/office/powerpoint/2010/main" val="1415032944"/>
+      </p:ext>
+    </p:extLst>
+  </p:cSld>
+  <p:clrMapOvr>
+    <a:masterClrMapping/>
+  </p:clrMapOvr>
+</p:notes>
+</file>
+
+<file path=ppt/notesSlides/notesSlide32.xml><?xml version="1.0" encoding="utf-8"?>
+<p:notes xmlns:a="http://schemas.openxmlformats.org/drawingml/2006/main" xmlns:r="http://schemas.openxmlformats.org/officeDocument/2006/relationships" xmlns:p="http://schemas.openxmlformats.org/presentationml/2006/main">
+  <p:cSld>
+    <p:spTree>
+      <p:nvGrpSpPr>
+        <p:cNvPr id="1" name=""/>
+        <p:cNvGrpSpPr/>
+        <p:nvPr/>
+      </p:nvGrpSpPr>
+      <p:grpSpPr>
+        <a:xfrm>
+          <a:off x="0" y="0"/>
+          <a:ext cx="0" cy="0"/>
+          <a:chOff x="0" y="0"/>
+          <a:chExt cx="0" cy="0"/>
+        </a:xfrm>
+      </p:grpSpPr>
+      <p:sp>
+        <p:nvSpPr>
+          <p:cNvPr id="2" name="슬라이드 이미지 개체 틀 1"/>
+          <p:cNvSpPr>
+            <a:spLocks noGrp="1" noRot="1" noChangeAspect="1"/>
+          </p:cNvSpPr>
+          <p:nvPr>
+            <p:ph type="sldImg"/>
+          </p:nvPr>
+        </p:nvSpPr>
+        <p:spPr/>
+      </p:sp>
+      <p:sp>
+        <p:nvSpPr>
+          <p:cNvPr id="3" name="슬라이드 노트 개체 틀 2"/>
+          <p:cNvSpPr>
+            <a:spLocks noGrp="1"/>
+          </p:cNvSpPr>
+          <p:nvPr>
+            <p:ph type="body" idx="1"/>
+          </p:nvPr>
+        </p:nvSpPr>
+        <p:spPr/>
+        <p:txBody>
+          <a:bodyPr/>
+          <a:lstStyle/>
+          <a:p>
+            <a:endParaRPr lang="ko-KR" altLang="en-US" dirty="0"/>
+          </a:p>
+        </p:txBody>
+      </p:sp>
+      <p:sp>
+        <p:nvSpPr>
+          <p:cNvPr id="4" name="슬라이드 번호 개체 틀 3"/>
+          <p:cNvSpPr>
+            <a:spLocks noGrp="1"/>
+          </p:cNvSpPr>
+          <p:nvPr>
+            <p:ph type="sldNum" sz="quarter" idx="5"/>
+          </p:nvPr>
+        </p:nvSpPr>
+        <p:spPr/>
+        <p:txBody>
+          <a:bodyPr/>
+          <a:lstStyle/>
+          <a:p>
+            <a:fld id="{19F5C388-934A-4DC6-9185-7480E02DF183}" type="slidenum">
+              <a:rPr lang="ko-KR" altLang="en-US" smtClean="0"/>
+              <a:t>34</a:t>
+            </a:fld>
+            <a:endParaRPr lang="ko-KR" altLang="en-US"/>
+          </a:p>
+        </p:txBody>
+      </p:sp>
+    </p:spTree>
+    <p:extLst>
+      <p:ext uri="{BB962C8B-B14F-4D97-AF65-F5344CB8AC3E}">
+        <p14:creationId xmlns:p14="http://schemas.microsoft.com/office/powerpoint/2010/main" val="1045481507"/>
+      </p:ext>
+    </p:extLst>
+  </p:cSld>
+  <p:clrMapOvr>
+    <a:masterClrMapping/>
+  </p:clrMapOvr>
+</p:notes>
+</file>
+
+<file path=ppt/notesSlides/notesSlide33.xml><?xml version="1.0" encoding="utf-8"?>
+<p:notes xmlns:a="http://schemas.openxmlformats.org/drawingml/2006/main" xmlns:r="http://schemas.openxmlformats.org/officeDocument/2006/relationships" xmlns:p="http://schemas.openxmlformats.org/presentationml/2006/main">
+  <p:cSld>
+    <p:spTree>
+      <p:nvGrpSpPr>
+        <p:cNvPr id="1" name=""/>
+        <p:cNvGrpSpPr/>
+        <p:nvPr/>
+      </p:nvGrpSpPr>
+      <p:grpSpPr>
+        <a:xfrm>
+          <a:off x="0" y="0"/>
+          <a:ext cx="0" cy="0"/>
+          <a:chOff x="0" y="0"/>
+          <a:chExt cx="0" cy="0"/>
+        </a:xfrm>
+      </p:grpSpPr>
+      <p:sp>
+        <p:nvSpPr>
+          <p:cNvPr id="2" name="슬라이드 이미지 개체 틀 1"/>
+          <p:cNvSpPr>
+            <a:spLocks noGrp="1" noRot="1" noChangeAspect="1"/>
+          </p:cNvSpPr>
+          <p:nvPr>
+            <p:ph type="sldImg"/>
+          </p:nvPr>
+        </p:nvSpPr>
+        <p:spPr/>
+      </p:sp>
+      <p:sp>
+        <p:nvSpPr>
+          <p:cNvPr id="3" name="슬라이드 노트 개체 틀 2"/>
+          <p:cNvSpPr>
+            <a:spLocks noGrp="1"/>
+          </p:cNvSpPr>
+          <p:nvPr>
+            <p:ph type="body" idx="1"/>
+          </p:nvPr>
+        </p:nvSpPr>
+        <p:spPr/>
+        <p:txBody>
+          <a:bodyPr/>
+          <a:lstStyle/>
+          <a:p>
+            <a:endParaRPr lang="ko-KR" altLang="en-US" dirty="0"/>
+          </a:p>
+        </p:txBody>
+      </p:sp>
+      <p:sp>
+        <p:nvSpPr>
+          <p:cNvPr id="4" name="슬라이드 번호 개체 틀 3"/>
+          <p:cNvSpPr>
+            <a:spLocks noGrp="1"/>
+          </p:cNvSpPr>
+          <p:nvPr>
+            <p:ph type="sldNum" sz="quarter" idx="5"/>
+          </p:nvPr>
+        </p:nvSpPr>
+        <p:spPr/>
+        <p:txBody>
+          <a:bodyPr/>
+          <a:lstStyle/>
+          <a:p>
+            <a:fld id="{19F5C388-934A-4DC6-9185-7480E02DF183}" type="slidenum">
+              <a:rPr lang="ko-KR" altLang="en-US" smtClean="0"/>
+              <a:t>35</a:t>
             </a:fld>
             <a:endParaRPr lang="ko-KR" altLang="en-US"/>
           </a:p>
@@ -3301,7 +3471,7 @@
           <a:p>
             <a:fld id="{89B3C2D2-5A1C-4C7F-8B84-C4DC8EB1FF56}" type="datetimeFigureOut">
               <a:rPr lang="ko-KR" altLang="en-US" smtClean="0"/>
-              <a:t>2023-03-23</a:t>
+              <a:t>2023-03-24</a:t>
             </a:fld>
             <a:endParaRPr lang="ko-KR" altLang="en-US"/>
           </a:p>
@@ -3499,7 +3669,7 @@
           <a:p>
             <a:fld id="{89B3C2D2-5A1C-4C7F-8B84-C4DC8EB1FF56}" type="datetimeFigureOut">
               <a:rPr lang="ko-KR" altLang="en-US" smtClean="0"/>
-              <a:t>2023-03-23</a:t>
+              <a:t>2023-03-24</a:t>
             </a:fld>
             <a:endParaRPr lang="ko-KR" altLang="en-US"/>
           </a:p>
@@ -3707,7 +3877,7 @@
           <a:p>
             <a:fld id="{89B3C2D2-5A1C-4C7F-8B84-C4DC8EB1FF56}" type="datetimeFigureOut">
               <a:rPr lang="ko-KR" altLang="en-US" smtClean="0"/>
-              <a:t>2023-03-23</a:t>
+              <a:t>2023-03-24</a:t>
             </a:fld>
             <a:endParaRPr lang="ko-KR" altLang="en-US"/>
           </a:p>
@@ -3905,7 +4075,7 @@
           <a:p>
             <a:fld id="{89B3C2D2-5A1C-4C7F-8B84-C4DC8EB1FF56}" type="datetimeFigureOut">
               <a:rPr lang="ko-KR" altLang="en-US" smtClean="0"/>
-              <a:t>2023-03-23</a:t>
+              <a:t>2023-03-24</a:t>
             </a:fld>
             <a:endParaRPr lang="ko-KR" altLang="en-US"/>
           </a:p>
@@ -4180,7 +4350,7 @@
           <a:p>
             <a:fld id="{89B3C2D2-5A1C-4C7F-8B84-C4DC8EB1FF56}" type="datetimeFigureOut">
               <a:rPr lang="ko-KR" altLang="en-US" smtClean="0"/>
-              <a:t>2023-03-23</a:t>
+              <a:t>2023-03-24</a:t>
             </a:fld>
             <a:endParaRPr lang="ko-KR" altLang="en-US"/>
           </a:p>
@@ -4445,7 +4615,7 @@
           <a:p>
             <a:fld id="{89B3C2D2-5A1C-4C7F-8B84-C4DC8EB1FF56}" type="datetimeFigureOut">
               <a:rPr lang="ko-KR" altLang="en-US" smtClean="0"/>
-              <a:t>2023-03-23</a:t>
+              <a:t>2023-03-24</a:t>
             </a:fld>
             <a:endParaRPr lang="ko-KR" altLang="en-US"/>
           </a:p>
@@ -4857,7 +5027,7 @@
           <a:p>
             <a:fld id="{89B3C2D2-5A1C-4C7F-8B84-C4DC8EB1FF56}" type="datetimeFigureOut">
               <a:rPr lang="ko-KR" altLang="en-US" smtClean="0"/>
-              <a:t>2023-03-23</a:t>
+              <a:t>2023-03-24</a:t>
             </a:fld>
             <a:endParaRPr lang="ko-KR" altLang="en-US"/>
           </a:p>
@@ -4998,7 +5168,7 @@
           <a:p>
             <a:fld id="{89B3C2D2-5A1C-4C7F-8B84-C4DC8EB1FF56}" type="datetimeFigureOut">
               <a:rPr lang="ko-KR" altLang="en-US" smtClean="0"/>
-              <a:t>2023-03-23</a:t>
+              <a:t>2023-03-24</a:t>
             </a:fld>
             <a:endParaRPr lang="ko-KR" altLang="en-US"/>
           </a:p>
@@ -5111,7 +5281,7 @@
           <a:p>
             <a:fld id="{89B3C2D2-5A1C-4C7F-8B84-C4DC8EB1FF56}" type="datetimeFigureOut">
               <a:rPr lang="ko-KR" altLang="en-US" smtClean="0"/>
-              <a:t>2023-03-23</a:t>
+              <a:t>2023-03-24</a:t>
             </a:fld>
             <a:endParaRPr lang="ko-KR" altLang="en-US"/>
           </a:p>
@@ -5422,7 +5592,7 @@
           <a:p>
             <a:fld id="{89B3C2D2-5A1C-4C7F-8B84-C4DC8EB1FF56}" type="datetimeFigureOut">
               <a:rPr lang="ko-KR" altLang="en-US" smtClean="0"/>
-              <a:t>2023-03-23</a:t>
+              <a:t>2023-03-24</a:t>
             </a:fld>
             <a:endParaRPr lang="ko-KR" altLang="en-US"/>
           </a:p>
@@ -5710,7 +5880,7 @@
           <a:p>
             <a:fld id="{89B3C2D2-5A1C-4C7F-8B84-C4DC8EB1FF56}" type="datetimeFigureOut">
               <a:rPr lang="ko-KR" altLang="en-US" smtClean="0"/>
-              <a:t>2023-03-23</a:t>
+              <a:t>2023-03-24</a:t>
             </a:fld>
             <a:endParaRPr lang="ko-KR" altLang="en-US"/>
           </a:p>
@@ -5951,7 +6121,7 @@
           <a:p>
             <a:fld id="{89B3C2D2-5A1C-4C7F-8B84-C4DC8EB1FF56}" type="datetimeFigureOut">
               <a:rPr lang="ko-KR" altLang="en-US" smtClean="0"/>
-              <a:t>2023-03-23</a:t>
+              <a:t>2023-03-24</a:t>
             </a:fld>
             <a:endParaRPr lang="ko-KR" altLang="en-US"/>
           </a:p>
@@ -6800,44 +6970,6 @@
       </p:sp>
       <p:sp>
         <p:nvSpPr>
-          <p:cNvPr id="7" name="내용 개체 틀 2">
-            <a:extLst>
-              <a:ext uri="{FF2B5EF4-FFF2-40B4-BE49-F238E27FC236}">
-                <a16:creationId xmlns:a16="http://schemas.microsoft.com/office/drawing/2014/main" id="{256D84BD-AEA0-00CE-BBC0-D05C86704D00}"/>
-              </a:ext>
-            </a:extLst>
-          </p:cNvPr>
-          <p:cNvSpPr>
-            <a:spLocks noGrp="1"/>
-          </p:cNvSpPr>
-          <p:nvPr>
-            <p:ph idx="1"/>
-          </p:nvPr>
-        </p:nvSpPr>
-        <p:spPr>
-          <a:xfrm>
-            <a:off x="512472" y="1517119"/>
-            <a:ext cx="10515600" cy="5031165"/>
-          </a:xfrm>
-        </p:spPr>
-        <p:txBody>
-          <a:bodyPr>
-            <a:normAutofit/>
-          </a:bodyPr>
-          <a:lstStyle/>
-          <a:p>
-            <a:pPr marL="457200" lvl="1" indent="0">
-              <a:lnSpc>
-                <a:spcPct val="150000"/>
-              </a:lnSpc>
-              <a:buNone/>
-            </a:pPr>
-            <a:endParaRPr lang="en-US" altLang="ko-KR" sz="1600" dirty="0"/>
-          </a:p>
-        </p:txBody>
-      </p:sp>
-      <p:sp>
-        <p:nvSpPr>
           <p:cNvPr id="4" name="내용 개체 틀 2">
             <a:extLst>
               <a:ext uri="{FF2B5EF4-FFF2-40B4-BE49-F238E27FC236}">
@@ -7373,7 +7505,7 @@
           <a:p>
             <a:r>
               <a:rPr lang="en-US" altLang="ko-KR" sz="4000" b="1" dirty="0"/>
-              <a:t>How to do</a:t>
+              <a:t>Integration Testing in</a:t>
             </a:r>
             <a:r>
               <a:rPr lang="ko-KR" altLang="en-US" sz="4000" b="1" dirty="0"/>
@@ -7381,7 +7513,7 @@
             </a:r>
             <a:r>
               <a:rPr lang="en-US" altLang="ko-KR" sz="4000" b="1" dirty="0"/>
-              <a:t>Integration Testing</a:t>
+              <a:t>Spring Boot</a:t>
             </a:r>
             <a:endParaRPr lang="ko-KR" altLang="en-US" sz="4000" b="1" dirty="0"/>
           </a:p>
@@ -7685,80 +7817,8 @@
               </a:lnSpc>
             </a:pPr>
             <a:r>
-              <a:rPr lang="en-US" altLang="ko-KR" sz="1800" dirty="0" err="1"/>
-              <a:t>Springboot</a:t>
-            </a:r>
-            <a:r>
               <a:rPr lang="ko-KR" altLang="en-US" sz="1800" dirty="0"/>
-              <a:t>에서는 </a:t>
-            </a:r>
-            <a:r>
-              <a:rPr lang="en-US" altLang="ko-KR" sz="1800" dirty="0"/>
-              <a:t>@SpringBootTest</a:t>
-            </a:r>
-            <a:r>
-              <a:rPr lang="ko-KR" altLang="en-US" sz="1800" dirty="0"/>
-              <a:t>를 통해 통합테스트를 진행</a:t>
-            </a:r>
-            <a:endParaRPr lang="en-US" altLang="ko-KR" sz="1800" dirty="0"/>
-          </a:p>
-          <a:p>
-            <a:pPr>
-              <a:lnSpc>
-                <a:spcPct val="150000"/>
-              </a:lnSpc>
-            </a:pPr>
-            <a:r>
-              <a:rPr lang="en-US" altLang="ko-KR" sz="1800" dirty="0"/>
-              <a:t> </a:t>
-            </a:r>
-            <a:r>
-              <a:rPr lang="ko-KR" altLang="en-US" sz="1800" dirty="0"/>
-              <a:t>대부분은 </a:t>
-            </a:r>
-            <a:r>
-              <a:rPr lang="en-US" altLang="ko-KR" sz="1800" dirty="0"/>
-              <a:t>spring-boot-starter-test </a:t>
-            </a:r>
-            <a:r>
-              <a:rPr lang="ko-KR" altLang="en-US" sz="1800" dirty="0"/>
-              <a:t>의존성을 통해 </a:t>
-            </a:r>
-            <a:r>
-              <a:rPr lang="en-US" altLang="ko-KR" sz="1800" dirty="0"/>
-              <a:t>Spring Boot </a:t>
-            </a:r>
-            <a:r>
-              <a:rPr lang="ko-KR" altLang="en-US" sz="1800" dirty="0"/>
-              <a:t>테스트 모듈과 </a:t>
-            </a:r>
-            <a:r>
-              <a:rPr lang="en-US" altLang="ko-KR" sz="1800" dirty="0"/>
-              <a:t>Junit Jupiter, </a:t>
-            </a:r>
-            <a:r>
-              <a:rPr lang="en-US" altLang="ko-KR" sz="1800" dirty="0" err="1"/>
-              <a:t>AsserJ</a:t>
-            </a:r>
-            <a:r>
-              <a:rPr lang="en-US" altLang="ko-KR" sz="1800" dirty="0"/>
-              <a:t>,</a:t>
-            </a:r>
-            <a:r>
-              <a:rPr lang="ko-KR" altLang="en-US" sz="1800" dirty="0"/>
-              <a:t> </a:t>
-            </a:r>
-            <a:r>
-              <a:rPr lang="en-US" altLang="ko-KR" sz="1800" dirty="0" err="1"/>
-              <a:t>Hamcrest</a:t>
-            </a:r>
-            <a:r>
-              <a:rPr lang="en-US" altLang="ko-KR" sz="1800" dirty="0"/>
-              <a:t> </a:t>
-            </a:r>
-            <a:r>
-              <a:rPr lang="ko-KR" altLang="en-US" sz="1800" dirty="0"/>
-              <a:t>및 기타 여러 유용한 라이브러리를 가져온다</a:t>
+              <a:t>애플리케이션 서버에 배포하거나 다른 엔터프라이즈 인프라에 연결하지 않고도 통합 테스트를 수행할 수 있어야 한다</a:t>
             </a:r>
             <a:r>
               <a:rPr lang="en-US" altLang="ko-KR" sz="1800" dirty="0"/>
@@ -7772,25 +7832,119 @@
               </a:lnSpc>
             </a:pPr>
             <a:r>
+              <a:rPr lang="en-US" altLang="ko-KR" sz="1800" dirty="0"/>
+              <a:t>Spring IoC </a:t>
+            </a:r>
+            <a:r>
               <a:rPr lang="ko-KR" altLang="en-US" sz="1800" dirty="0"/>
-              <a:t>단위 테스트와 같이 기능 검증을 위한 것이 아니라 </a:t>
+              <a:t>컨테이너 컨텍스트가 올바르게 연결되었는지 테스트 가능</a:t>
             </a:r>
             <a:r>
               <a:rPr lang="en-US" altLang="ko-KR" sz="1800" dirty="0"/>
-              <a:t>spring framework</a:t>
+              <a:t>.</a:t>
+            </a:r>
+          </a:p>
+          <a:p>
+            <a:pPr>
+              <a:lnSpc>
+                <a:spcPct val="150000"/>
+              </a:lnSpc>
+            </a:pPr>
+            <a:r>
+              <a:rPr lang="en-US" altLang="ko-KR" sz="1800" dirty="0"/>
+              <a:t>JDBC </a:t>
             </a:r>
             <a:r>
               <a:rPr lang="ko-KR" altLang="en-US" sz="1800" dirty="0"/>
-              <a:t>에서 전체적으로 플로우가 제대로 동작하는지 검증하기 위해 사용</a:t>
-            </a:r>
+              <a:t>또는 </a:t>
+            </a:r>
+            <a:r>
+              <a:rPr lang="en-US" altLang="ko-KR" sz="1800" dirty="0"/>
+              <a:t>ORM </a:t>
+            </a:r>
+            <a:r>
+              <a:rPr lang="ko-KR" altLang="en-US" sz="1800" dirty="0"/>
+              <a:t>도구를 사용한 데이터 액세스 테스트 가능</a:t>
+            </a:r>
+            <a:r>
+              <a:rPr lang="en-US" altLang="ko-KR" sz="1800" dirty="0"/>
+              <a:t>.(SQL </a:t>
+            </a:r>
+            <a:r>
+              <a:rPr lang="ko-KR" altLang="en-US" sz="1800" dirty="0"/>
+              <a:t>문의 정확성</a:t>
+            </a:r>
+            <a:r>
+              <a:rPr lang="en-US" altLang="ko-KR" sz="1800" dirty="0"/>
+              <a:t>, Hibernate </a:t>
+            </a:r>
+            <a:r>
+              <a:rPr lang="ko-KR" altLang="en-US" sz="1800" dirty="0"/>
+              <a:t>쿼리</a:t>
+            </a:r>
+            <a:r>
+              <a:rPr lang="en-US" altLang="ko-KR" sz="1800" dirty="0"/>
+              <a:t>, JPA </a:t>
+            </a:r>
+            <a:r>
+              <a:rPr lang="ko-KR" altLang="en-US" sz="1800" dirty="0"/>
+              <a:t>엔티티 매핑 등</a:t>
+            </a:r>
+            <a:r>
+              <a:rPr lang="en-US" altLang="ko-KR" sz="1800" dirty="0"/>
+              <a:t>)</a:t>
+            </a:r>
+          </a:p>
+          <a:p>
+            <a:pPr>
+              <a:lnSpc>
+                <a:spcPct val="150000"/>
+              </a:lnSpc>
+            </a:pPr>
             <a:endParaRPr lang="en-US" altLang="ko-KR" sz="1800" dirty="0"/>
+          </a:p>
+        </p:txBody>
+      </p:sp>
+      <p:sp>
+        <p:nvSpPr>
+          <p:cNvPr id="6" name="TextBox 5">
+            <a:hlinkClick r:id="rId3"/>
+            <a:extLst>
+              <a:ext uri="{FF2B5EF4-FFF2-40B4-BE49-F238E27FC236}">
+                <a16:creationId xmlns:a16="http://schemas.microsoft.com/office/drawing/2014/main" id="{6DBB0B7C-171B-C174-AFFE-D1C974CBA136}"/>
+              </a:ext>
+            </a:extLst>
+          </p:cNvPr>
+          <p:cNvSpPr txBox="1"/>
+          <p:nvPr/>
+        </p:nvSpPr>
+        <p:spPr>
+          <a:xfrm>
+            <a:off x="371543" y="6454463"/>
+            <a:ext cx="11679528" cy="261610"/>
+          </a:xfrm>
+          <a:prstGeom prst="rect">
+            <a:avLst/>
+          </a:prstGeom>
+          <a:noFill/>
+        </p:spPr>
+        <p:txBody>
+          <a:bodyPr wrap="square">
+            <a:spAutoFit/>
+          </a:bodyPr>
+          <a:lstStyle/>
+          <a:p>
+            <a:r>
+              <a:rPr lang="ko-KR" altLang="en-US" sz="1100" dirty="0"/>
+              <a:t>https://docs.spring.io/spring-framework/docs/current/reference/html/testing.html#integration-testing</a:t>
+            </a:r>
           </a:p>
         </p:txBody>
       </p:sp>
     </p:spTree>
     <p:extLst>
       <p:ext uri="{BB962C8B-B14F-4D97-AF65-F5344CB8AC3E}">
-        <p14:creationId xmlns:p14="http://schemas.microsoft.com/office/powerpoint/2010/main" val="1308328829"/>
+        <p14:creationId xmlns:p14="http://schemas.microsoft.com/office/powerpoint/2010/main" val="1667488026"/>
       </p:ext>
     </p:extLst>
   </p:cSld>
@@ -7847,7 +8001,15 @@
           <a:p>
             <a:r>
               <a:rPr lang="en-US" altLang="ko-KR" sz="4000" b="1" dirty="0"/>
-              <a:t>Spring-boot-starter-test</a:t>
+              <a:t>Goal of Integration Testing in</a:t>
+            </a:r>
+            <a:r>
+              <a:rPr lang="ko-KR" altLang="en-US" sz="4000" b="1" dirty="0"/>
+              <a:t> </a:t>
+            </a:r>
+            <a:r>
+              <a:rPr lang="en-US" altLang="ko-KR" sz="4000" b="1" dirty="0"/>
+              <a:t>Spring Boot</a:t>
             </a:r>
             <a:endParaRPr lang="ko-KR" altLang="en-US" sz="4000" b="1" dirty="0"/>
           </a:p>
@@ -7970,7 +8132,7 @@
         <p:spPr>
           <a:xfrm>
             <a:off x="664872" y="1669519"/>
-            <a:ext cx="10515600" cy="4878765"/>
+            <a:ext cx="10515600" cy="5031165"/>
           </a:xfrm>
           <a:prstGeom prst="rect">
             <a:avLst/>
@@ -8151,6 +8313,927 @@
               </a:lnSpc>
             </a:pPr>
             <a:r>
+              <a:rPr lang="en-US" altLang="ko-KR" sz="1800" dirty="0"/>
+              <a:t>To manage Spring IoC container caching between tests.</a:t>
+            </a:r>
+          </a:p>
+          <a:p>
+            <a:pPr>
+              <a:lnSpc>
+                <a:spcPct val="150000"/>
+              </a:lnSpc>
+            </a:pPr>
+            <a:r>
+              <a:rPr lang="en-US" altLang="ko-KR" sz="1800" dirty="0"/>
+              <a:t>To provide Dependency Injection of test fixture instances.</a:t>
+            </a:r>
+          </a:p>
+          <a:p>
+            <a:pPr>
+              <a:lnSpc>
+                <a:spcPct val="150000"/>
+              </a:lnSpc>
+            </a:pPr>
+            <a:r>
+              <a:rPr lang="en-US" altLang="ko-KR" sz="1800" dirty="0"/>
+              <a:t>To provide transaction management appropriate to integration testing.</a:t>
+            </a:r>
+          </a:p>
+          <a:p>
+            <a:pPr>
+              <a:lnSpc>
+                <a:spcPct val="150000"/>
+              </a:lnSpc>
+            </a:pPr>
+            <a:r>
+              <a:rPr lang="en-US" altLang="ko-KR" sz="1800" dirty="0"/>
+              <a:t>To supply Spring-specific base classes that assist developers in writing integration tests.</a:t>
+            </a:r>
+          </a:p>
+          <a:p>
+            <a:pPr>
+              <a:lnSpc>
+                <a:spcPct val="150000"/>
+              </a:lnSpc>
+            </a:pPr>
+            <a:endParaRPr lang="en-US" altLang="ko-KR" sz="1800" dirty="0"/>
+          </a:p>
+        </p:txBody>
+      </p:sp>
+      <p:sp>
+        <p:nvSpPr>
+          <p:cNvPr id="5" name="TextBox 4">
+            <a:hlinkClick r:id="rId3"/>
+            <a:extLst>
+              <a:ext uri="{FF2B5EF4-FFF2-40B4-BE49-F238E27FC236}">
+                <a16:creationId xmlns:a16="http://schemas.microsoft.com/office/drawing/2014/main" id="{AA26CE11-6215-1458-9FCD-07A5ABCB0C50}"/>
+              </a:ext>
+            </a:extLst>
+          </p:cNvPr>
+          <p:cNvSpPr txBox="1"/>
+          <p:nvPr/>
+        </p:nvSpPr>
+        <p:spPr>
+          <a:xfrm>
+            <a:off x="371543" y="6454463"/>
+            <a:ext cx="11679528" cy="261610"/>
+          </a:xfrm>
+          <a:prstGeom prst="rect">
+            <a:avLst/>
+          </a:prstGeom>
+          <a:noFill/>
+        </p:spPr>
+        <p:txBody>
+          <a:bodyPr wrap="square">
+            <a:spAutoFit/>
+          </a:bodyPr>
+          <a:lstStyle/>
+          <a:p>
+            <a:r>
+              <a:rPr lang="ko-KR" altLang="en-US" sz="1100" dirty="0"/>
+              <a:t>https://docs.spring.io/spring-framework/docs/current/reference/html/testing.html#integration-testing</a:t>
+            </a:r>
+          </a:p>
+        </p:txBody>
+      </p:sp>
+    </p:spTree>
+    <p:extLst>
+      <p:ext uri="{BB962C8B-B14F-4D97-AF65-F5344CB8AC3E}">
+        <p14:creationId xmlns:p14="http://schemas.microsoft.com/office/powerpoint/2010/main" val="2933461400"/>
+      </p:ext>
+    </p:extLst>
+  </p:cSld>
+  <p:clrMapOvr>
+    <a:masterClrMapping/>
+  </p:clrMapOvr>
+</p:sld>
+</file>
+
+<file path=ppt/slides/slide14.xml><?xml version="1.0" encoding="utf-8"?>
+<p:sld xmlns:a="http://schemas.openxmlformats.org/drawingml/2006/main" xmlns:r="http://schemas.openxmlformats.org/officeDocument/2006/relationships" xmlns:p="http://schemas.openxmlformats.org/presentationml/2006/main">
+  <p:cSld>
+    <p:spTree>
+      <p:nvGrpSpPr>
+        <p:cNvPr id="1" name=""/>
+        <p:cNvGrpSpPr/>
+        <p:nvPr/>
+      </p:nvGrpSpPr>
+      <p:grpSpPr>
+        <a:xfrm>
+          <a:off x="0" y="0"/>
+          <a:ext cx="0" cy="0"/>
+          <a:chOff x="0" y="0"/>
+          <a:chExt cx="0" cy="0"/>
+        </a:xfrm>
+      </p:grpSpPr>
+      <p:sp>
+        <p:nvSpPr>
+          <p:cNvPr id="2" name="제목 1">
+            <a:extLst>
+              <a:ext uri="{FF2B5EF4-FFF2-40B4-BE49-F238E27FC236}">
+                <a16:creationId xmlns:a16="http://schemas.microsoft.com/office/drawing/2014/main" id="{97E51B44-8461-7B96-2388-D852A6FF27A0}"/>
+              </a:ext>
+            </a:extLst>
+          </p:cNvPr>
+          <p:cNvSpPr>
+            <a:spLocks noGrp="1"/>
+          </p:cNvSpPr>
+          <p:nvPr>
+            <p:ph type="title"/>
+          </p:nvPr>
+        </p:nvSpPr>
+        <p:spPr>
+          <a:xfrm>
+            <a:off x="512472" y="191556"/>
+            <a:ext cx="10515600" cy="1325563"/>
+          </a:xfrm>
+        </p:spPr>
+        <p:txBody>
+          <a:bodyPr>
+            <a:normAutofit/>
+          </a:bodyPr>
+          <a:lstStyle/>
+          <a:p>
+            <a:r>
+              <a:rPr lang="en-US" altLang="ko-KR" sz="4000" b="1" dirty="0"/>
+              <a:t>How to do</a:t>
+            </a:r>
+            <a:r>
+              <a:rPr lang="ko-KR" altLang="en-US" sz="4000" b="1" dirty="0"/>
+              <a:t> </a:t>
+            </a:r>
+            <a:r>
+              <a:rPr lang="en-US" altLang="ko-KR" sz="4000" b="1" dirty="0"/>
+              <a:t>Integration Testing</a:t>
+            </a:r>
+            <a:endParaRPr lang="ko-KR" altLang="en-US" sz="4000" b="1" dirty="0"/>
+          </a:p>
+        </p:txBody>
+      </p:sp>
+      <p:sp>
+        <p:nvSpPr>
+          <p:cNvPr id="3" name="직사각형 2">
+            <a:extLst>
+              <a:ext uri="{FF2B5EF4-FFF2-40B4-BE49-F238E27FC236}">
+                <a16:creationId xmlns:a16="http://schemas.microsoft.com/office/drawing/2014/main" id="{C81F88F5-6FF0-189D-1A5B-554E99B98DDF}"/>
+              </a:ext>
+            </a:extLst>
+          </p:cNvPr>
+          <p:cNvSpPr>
+            <a:spLocks noGrp="1" noRot="1" noMove="1" noResize="1" noEditPoints="1" noAdjustHandles="1" noChangeArrowheads="1" noChangeShapeType="1"/>
+          </p:cNvSpPr>
+          <p:nvPr/>
+        </p:nvSpPr>
+        <p:spPr>
+          <a:xfrm>
+            <a:off x="91127" y="804943"/>
+            <a:ext cx="280416" cy="49394"/>
+          </a:xfrm>
+          <a:prstGeom prst="rect">
+            <a:avLst/>
+          </a:prstGeom>
+          <a:solidFill>
+            <a:schemeClr val="accent2"/>
+          </a:solidFill>
+          <a:ln>
+            <a:noFill/>
+          </a:ln>
+        </p:spPr>
+        <p:style>
+          <a:lnRef idx="2">
+            <a:schemeClr val="accent1">
+              <a:shade val="50000"/>
+            </a:schemeClr>
+          </a:lnRef>
+          <a:fillRef idx="1">
+            <a:schemeClr val="accent1"/>
+          </a:fillRef>
+          <a:effectRef idx="0">
+            <a:schemeClr val="accent1"/>
+          </a:effectRef>
+          <a:fontRef idx="minor">
+            <a:schemeClr val="lt1"/>
+          </a:fontRef>
+        </p:style>
+        <p:txBody>
+          <a:bodyPr rtlCol="0" anchor="ctr"/>
+          <a:lstStyle/>
+          <a:p>
+            <a:pPr algn="ctr"/>
+            <a:endParaRPr lang="ko-KR" altLang="en-US"/>
+          </a:p>
+        </p:txBody>
+      </p:sp>
+      <p:sp>
+        <p:nvSpPr>
+          <p:cNvPr id="7" name="내용 개체 틀 2">
+            <a:extLst>
+              <a:ext uri="{FF2B5EF4-FFF2-40B4-BE49-F238E27FC236}">
+                <a16:creationId xmlns:a16="http://schemas.microsoft.com/office/drawing/2014/main" id="{256D84BD-AEA0-00CE-BBC0-D05C86704D00}"/>
+              </a:ext>
+            </a:extLst>
+          </p:cNvPr>
+          <p:cNvSpPr>
+            <a:spLocks noGrp="1"/>
+          </p:cNvSpPr>
+          <p:nvPr>
+            <p:ph idx="1"/>
+          </p:nvPr>
+        </p:nvSpPr>
+        <p:spPr>
+          <a:xfrm>
+            <a:off x="512472" y="1517119"/>
+            <a:ext cx="10515600" cy="5031165"/>
+          </a:xfrm>
+        </p:spPr>
+        <p:txBody>
+          <a:bodyPr>
+            <a:normAutofit/>
+          </a:bodyPr>
+          <a:lstStyle/>
+          <a:p>
+            <a:pPr marL="457200" lvl="1" indent="0">
+              <a:lnSpc>
+                <a:spcPct val="150000"/>
+              </a:lnSpc>
+              <a:buNone/>
+            </a:pPr>
+            <a:endParaRPr lang="en-US" altLang="ko-KR" sz="1600" dirty="0"/>
+          </a:p>
+          <a:p>
+            <a:pPr>
+              <a:lnSpc>
+                <a:spcPct val="150000"/>
+              </a:lnSpc>
+            </a:pPr>
+            <a:endParaRPr lang="en-US" altLang="ko-KR" sz="2000" dirty="0"/>
+          </a:p>
+        </p:txBody>
+      </p:sp>
+      <p:sp>
+        <p:nvSpPr>
+          <p:cNvPr id="4" name="내용 개체 틀 2">
+            <a:extLst>
+              <a:ext uri="{FF2B5EF4-FFF2-40B4-BE49-F238E27FC236}">
+                <a16:creationId xmlns:a16="http://schemas.microsoft.com/office/drawing/2014/main" id="{95697EDB-0A7F-46DB-3D6F-C5C8B2843F9C}"/>
+              </a:ext>
+            </a:extLst>
+          </p:cNvPr>
+          <p:cNvSpPr txBox="1">
+            <a:spLocks/>
+          </p:cNvSpPr>
+          <p:nvPr/>
+        </p:nvSpPr>
+        <p:spPr>
+          <a:xfrm>
+            <a:off x="664872" y="1669519"/>
+            <a:ext cx="10515600" cy="5031165"/>
+          </a:xfrm>
+          <a:prstGeom prst="rect">
+            <a:avLst/>
+          </a:prstGeom>
+        </p:spPr>
+        <p:txBody>
+          <a:bodyPr vert="horz" lIns="91440" tIns="45720" rIns="91440" bIns="45720" rtlCol="0">
+            <a:normAutofit/>
+          </a:bodyPr>
+          <a:lstStyle>
+            <a:lvl1pPr marL="228600" indent="-228600" algn="l" defTabSz="914400" rtl="0" eaLnBrk="1" latinLnBrk="1" hangingPunct="1">
+              <a:lnSpc>
+                <a:spcPct val="90000"/>
+              </a:lnSpc>
+              <a:spcBef>
+                <a:spcPts val="1000"/>
+              </a:spcBef>
+              <a:buFont typeface="Arial" panose="020B0604020202020204" pitchFamily="34" charset="0"/>
+              <a:buChar char="•"/>
+              <a:defRPr sz="2800" kern="1200">
+                <a:solidFill>
+                  <a:schemeClr val="tx1"/>
+                </a:solidFill>
+                <a:latin typeface="+mn-lt"/>
+                <a:ea typeface="+mn-ea"/>
+                <a:cs typeface="+mn-cs"/>
+              </a:defRPr>
+            </a:lvl1pPr>
+            <a:lvl2pPr marL="685800" indent="-228600" algn="l" defTabSz="914400" rtl="0" eaLnBrk="1" latinLnBrk="1" hangingPunct="1">
+              <a:lnSpc>
+                <a:spcPct val="90000"/>
+              </a:lnSpc>
+              <a:spcBef>
+                <a:spcPts val="500"/>
+              </a:spcBef>
+              <a:buFont typeface="Arial" panose="020B0604020202020204" pitchFamily="34" charset="0"/>
+              <a:buChar char="•"/>
+              <a:defRPr sz="2400" kern="1200">
+                <a:solidFill>
+                  <a:schemeClr val="tx1"/>
+                </a:solidFill>
+                <a:latin typeface="+mn-lt"/>
+                <a:ea typeface="+mn-ea"/>
+                <a:cs typeface="+mn-cs"/>
+              </a:defRPr>
+            </a:lvl2pPr>
+            <a:lvl3pPr marL="1143000" indent="-228600" algn="l" defTabSz="914400" rtl="0" eaLnBrk="1" latinLnBrk="1" hangingPunct="1">
+              <a:lnSpc>
+                <a:spcPct val="90000"/>
+              </a:lnSpc>
+              <a:spcBef>
+                <a:spcPts val="500"/>
+              </a:spcBef>
+              <a:buFont typeface="Arial" panose="020B0604020202020204" pitchFamily="34" charset="0"/>
+              <a:buChar char="•"/>
+              <a:defRPr sz="2000" kern="1200">
+                <a:solidFill>
+                  <a:schemeClr val="tx1"/>
+                </a:solidFill>
+                <a:latin typeface="+mn-lt"/>
+                <a:ea typeface="+mn-ea"/>
+                <a:cs typeface="+mn-cs"/>
+              </a:defRPr>
+            </a:lvl3pPr>
+            <a:lvl4pPr marL="1600200" indent="-228600" algn="l" defTabSz="914400" rtl="0" eaLnBrk="1" latinLnBrk="1" hangingPunct="1">
+              <a:lnSpc>
+                <a:spcPct val="90000"/>
+              </a:lnSpc>
+              <a:spcBef>
+                <a:spcPts val="500"/>
+              </a:spcBef>
+              <a:buFont typeface="Arial" panose="020B0604020202020204" pitchFamily="34" charset="0"/>
+              <a:buChar char="•"/>
+              <a:defRPr sz="1800" kern="1200">
+                <a:solidFill>
+                  <a:schemeClr val="tx1"/>
+                </a:solidFill>
+                <a:latin typeface="+mn-lt"/>
+                <a:ea typeface="+mn-ea"/>
+                <a:cs typeface="+mn-cs"/>
+              </a:defRPr>
+            </a:lvl4pPr>
+            <a:lvl5pPr marL="2057400" indent="-228600" algn="l" defTabSz="914400" rtl="0" eaLnBrk="1" latinLnBrk="1" hangingPunct="1">
+              <a:lnSpc>
+                <a:spcPct val="90000"/>
+              </a:lnSpc>
+              <a:spcBef>
+                <a:spcPts val="500"/>
+              </a:spcBef>
+              <a:buFont typeface="Arial" panose="020B0604020202020204" pitchFamily="34" charset="0"/>
+              <a:buChar char="•"/>
+              <a:defRPr sz="1800" kern="1200">
+                <a:solidFill>
+                  <a:schemeClr val="tx1"/>
+                </a:solidFill>
+                <a:latin typeface="+mn-lt"/>
+                <a:ea typeface="+mn-ea"/>
+                <a:cs typeface="+mn-cs"/>
+              </a:defRPr>
+            </a:lvl5pPr>
+            <a:lvl6pPr marL="2514600" indent="-228600" algn="l" defTabSz="914400" rtl="0" eaLnBrk="1" latinLnBrk="1" hangingPunct="1">
+              <a:lnSpc>
+                <a:spcPct val="90000"/>
+              </a:lnSpc>
+              <a:spcBef>
+                <a:spcPts val="500"/>
+              </a:spcBef>
+              <a:buFont typeface="Arial" panose="020B0604020202020204" pitchFamily="34" charset="0"/>
+              <a:buChar char="•"/>
+              <a:defRPr sz="1800" kern="1200">
+                <a:solidFill>
+                  <a:schemeClr val="tx1"/>
+                </a:solidFill>
+                <a:latin typeface="+mn-lt"/>
+                <a:ea typeface="+mn-ea"/>
+                <a:cs typeface="+mn-cs"/>
+              </a:defRPr>
+            </a:lvl6pPr>
+            <a:lvl7pPr marL="2971800" indent="-228600" algn="l" defTabSz="914400" rtl="0" eaLnBrk="1" latinLnBrk="1" hangingPunct="1">
+              <a:lnSpc>
+                <a:spcPct val="90000"/>
+              </a:lnSpc>
+              <a:spcBef>
+                <a:spcPts val="500"/>
+              </a:spcBef>
+              <a:buFont typeface="Arial" panose="020B0604020202020204" pitchFamily="34" charset="0"/>
+              <a:buChar char="•"/>
+              <a:defRPr sz="1800" kern="1200">
+                <a:solidFill>
+                  <a:schemeClr val="tx1"/>
+                </a:solidFill>
+                <a:latin typeface="+mn-lt"/>
+                <a:ea typeface="+mn-ea"/>
+                <a:cs typeface="+mn-cs"/>
+              </a:defRPr>
+            </a:lvl7pPr>
+            <a:lvl8pPr marL="3429000" indent="-228600" algn="l" defTabSz="914400" rtl="0" eaLnBrk="1" latinLnBrk="1" hangingPunct="1">
+              <a:lnSpc>
+                <a:spcPct val="90000"/>
+              </a:lnSpc>
+              <a:spcBef>
+                <a:spcPts val="500"/>
+              </a:spcBef>
+              <a:buFont typeface="Arial" panose="020B0604020202020204" pitchFamily="34" charset="0"/>
+              <a:buChar char="•"/>
+              <a:defRPr sz="1800" kern="1200">
+                <a:solidFill>
+                  <a:schemeClr val="tx1"/>
+                </a:solidFill>
+                <a:latin typeface="+mn-lt"/>
+                <a:ea typeface="+mn-ea"/>
+                <a:cs typeface="+mn-cs"/>
+              </a:defRPr>
+            </a:lvl8pPr>
+            <a:lvl9pPr marL="3886200" indent="-228600" algn="l" defTabSz="914400" rtl="0" eaLnBrk="1" latinLnBrk="1" hangingPunct="1">
+              <a:lnSpc>
+                <a:spcPct val="90000"/>
+              </a:lnSpc>
+              <a:spcBef>
+                <a:spcPts val="500"/>
+              </a:spcBef>
+              <a:buFont typeface="Arial" panose="020B0604020202020204" pitchFamily="34" charset="0"/>
+              <a:buChar char="•"/>
+              <a:defRPr sz="1800" kern="1200">
+                <a:solidFill>
+                  <a:schemeClr val="tx1"/>
+                </a:solidFill>
+                <a:latin typeface="+mn-lt"/>
+                <a:ea typeface="+mn-ea"/>
+                <a:cs typeface="+mn-cs"/>
+              </a:defRPr>
+            </a:lvl9pPr>
+          </a:lstStyle>
+          <a:p>
+            <a:pPr>
+              <a:lnSpc>
+                <a:spcPct val="150000"/>
+              </a:lnSpc>
+            </a:pPr>
+            <a:r>
+              <a:rPr lang="en-US" altLang="ko-KR" sz="1800" dirty="0" err="1"/>
+              <a:t>Springboot</a:t>
+            </a:r>
+            <a:r>
+              <a:rPr lang="ko-KR" altLang="en-US" sz="1800" dirty="0"/>
+              <a:t>에서는 </a:t>
+            </a:r>
+            <a:r>
+              <a:rPr lang="en-US" altLang="ko-KR" sz="1800" dirty="0"/>
+              <a:t>@SpringBootTest</a:t>
+            </a:r>
+            <a:r>
+              <a:rPr lang="ko-KR" altLang="en-US" sz="1800" dirty="0"/>
+              <a:t>를 통해 통합테스트를 진행</a:t>
+            </a:r>
+            <a:endParaRPr lang="en-US" altLang="ko-KR" sz="1800" dirty="0"/>
+          </a:p>
+          <a:p>
+            <a:pPr>
+              <a:lnSpc>
+                <a:spcPct val="150000"/>
+              </a:lnSpc>
+            </a:pPr>
+            <a:r>
+              <a:rPr lang="en-US" altLang="ko-KR" sz="1800" dirty="0"/>
+              <a:t> </a:t>
+            </a:r>
+            <a:r>
+              <a:rPr lang="ko-KR" altLang="en-US" sz="1800" dirty="0"/>
+              <a:t>대부분은 </a:t>
+            </a:r>
+            <a:r>
+              <a:rPr lang="en-US" altLang="ko-KR" sz="1800" dirty="0"/>
+              <a:t>spring-boot-starter-test </a:t>
+            </a:r>
+            <a:r>
+              <a:rPr lang="ko-KR" altLang="en-US" sz="1800" dirty="0"/>
+              <a:t>의존성을 통해 </a:t>
+            </a:r>
+            <a:r>
+              <a:rPr lang="en-US" altLang="ko-KR" sz="1800" dirty="0"/>
+              <a:t>Spring Boot </a:t>
+            </a:r>
+            <a:r>
+              <a:rPr lang="ko-KR" altLang="en-US" sz="1800" dirty="0"/>
+              <a:t>테스트 모듈과 </a:t>
+            </a:r>
+            <a:r>
+              <a:rPr lang="en-US" altLang="ko-KR" sz="1800" dirty="0"/>
+              <a:t>Junit Jupiter, </a:t>
+            </a:r>
+            <a:r>
+              <a:rPr lang="en-US" altLang="ko-KR" sz="1800" dirty="0" err="1"/>
+              <a:t>AsserJ</a:t>
+            </a:r>
+            <a:r>
+              <a:rPr lang="en-US" altLang="ko-KR" sz="1800" dirty="0"/>
+              <a:t>,</a:t>
+            </a:r>
+            <a:r>
+              <a:rPr lang="ko-KR" altLang="en-US" sz="1800" dirty="0"/>
+              <a:t> </a:t>
+            </a:r>
+            <a:r>
+              <a:rPr lang="en-US" altLang="ko-KR" sz="1800" dirty="0" err="1"/>
+              <a:t>Hamcrest</a:t>
+            </a:r>
+            <a:r>
+              <a:rPr lang="en-US" altLang="ko-KR" sz="1800" dirty="0"/>
+              <a:t> </a:t>
+            </a:r>
+            <a:r>
+              <a:rPr lang="ko-KR" altLang="en-US" sz="1800" dirty="0"/>
+              <a:t>및 기타 여러 유용한 라이브러리를 가져온다</a:t>
+            </a:r>
+            <a:r>
+              <a:rPr lang="en-US" altLang="ko-KR" sz="1800" dirty="0"/>
+              <a:t>.</a:t>
+            </a:r>
+          </a:p>
+          <a:p>
+            <a:pPr>
+              <a:lnSpc>
+                <a:spcPct val="150000"/>
+              </a:lnSpc>
+            </a:pPr>
+            <a:r>
+              <a:rPr lang="ko-KR" altLang="en-US" sz="1800" dirty="0"/>
+              <a:t>단위 테스트와 같이 기능 검증을 위한 것이 아니라 </a:t>
+            </a:r>
+            <a:r>
+              <a:rPr lang="en-US" altLang="ko-KR" sz="1800" dirty="0"/>
+              <a:t>spring framework</a:t>
+            </a:r>
+            <a:r>
+              <a:rPr lang="ko-KR" altLang="en-US" sz="1800" dirty="0"/>
+              <a:t>에서 전체적으로 플로우가 제대로 동작하는지 검증하기 위해 사용</a:t>
+            </a:r>
+            <a:endParaRPr lang="en-US" altLang="ko-KR" sz="1800" dirty="0"/>
+          </a:p>
+        </p:txBody>
+      </p:sp>
+    </p:spTree>
+    <p:extLst>
+      <p:ext uri="{BB962C8B-B14F-4D97-AF65-F5344CB8AC3E}">
+        <p14:creationId xmlns:p14="http://schemas.microsoft.com/office/powerpoint/2010/main" val="1308328829"/>
+      </p:ext>
+    </p:extLst>
+  </p:cSld>
+  <p:clrMapOvr>
+    <a:masterClrMapping/>
+  </p:clrMapOvr>
+</p:sld>
+</file>
+
+<file path=ppt/slides/slide15.xml><?xml version="1.0" encoding="utf-8"?>
+<p:sld xmlns:a="http://schemas.openxmlformats.org/drawingml/2006/main" xmlns:r="http://schemas.openxmlformats.org/officeDocument/2006/relationships" xmlns:p="http://schemas.openxmlformats.org/presentationml/2006/main">
+  <p:cSld>
+    <p:spTree>
+      <p:nvGrpSpPr>
+        <p:cNvPr id="1" name=""/>
+        <p:cNvGrpSpPr/>
+        <p:nvPr/>
+      </p:nvGrpSpPr>
+      <p:grpSpPr>
+        <a:xfrm>
+          <a:off x="0" y="0"/>
+          <a:ext cx="0" cy="0"/>
+          <a:chOff x="0" y="0"/>
+          <a:chExt cx="0" cy="0"/>
+        </a:xfrm>
+      </p:grpSpPr>
+      <p:sp>
+        <p:nvSpPr>
+          <p:cNvPr id="2" name="제목 1">
+            <a:extLst>
+              <a:ext uri="{FF2B5EF4-FFF2-40B4-BE49-F238E27FC236}">
+                <a16:creationId xmlns:a16="http://schemas.microsoft.com/office/drawing/2014/main" id="{97E51B44-8461-7B96-2388-D852A6FF27A0}"/>
+              </a:ext>
+            </a:extLst>
+          </p:cNvPr>
+          <p:cNvSpPr>
+            <a:spLocks noGrp="1"/>
+          </p:cNvSpPr>
+          <p:nvPr>
+            <p:ph type="title"/>
+          </p:nvPr>
+        </p:nvSpPr>
+        <p:spPr>
+          <a:xfrm>
+            <a:off x="512472" y="191556"/>
+            <a:ext cx="10515600" cy="1325563"/>
+          </a:xfrm>
+        </p:spPr>
+        <p:txBody>
+          <a:bodyPr>
+            <a:normAutofit/>
+          </a:bodyPr>
+          <a:lstStyle/>
+          <a:p>
+            <a:r>
+              <a:rPr lang="en-US" altLang="ko-KR" sz="4000" b="1" dirty="0"/>
+              <a:t>Spring-boot-starter-test</a:t>
+            </a:r>
+            <a:endParaRPr lang="ko-KR" altLang="en-US" sz="4000" b="1" dirty="0"/>
+          </a:p>
+        </p:txBody>
+      </p:sp>
+      <p:sp>
+        <p:nvSpPr>
+          <p:cNvPr id="3" name="직사각형 2">
+            <a:extLst>
+              <a:ext uri="{FF2B5EF4-FFF2-40B4-BE49-F238E27FC236}">
+                <a16:creationId xmlns:a16="http://schemas.microsoft.com/office/drawing/2014/main" id="{C81F88F5-6FF0-189D-1A5B-554E99B98DDF}"/>
+              </a:ext>
+            </a:extLst>
+          </p:cNvPr>
+          <p:cNvSpPr>
+            <a:spLocks noGrp="1" noRot="1" noMove="1" noResize="1" noEditPoints="1" noAdjustHandles="1" noChangeArrowheads="1" noChangeShapeType="1"/>
+          </p:cNvSpPr>
+          <p:nvPr/>
+        </p:nvSpPr>
+        <p:spPr>
+          <a:xfrm>
+            <a:off x="91127" y="804943"/>
+            <a:ext cx="280416" cy="49394"/>
+          </a:xfrm>
+          <a:prstGeom prst="rect">
+            <a:avLst/>
+          </a:prstGeom>
+          <a:solidFill>
+            <a:schemeClr val="accent2"/>
+          </a:solidFill>
+          <a:ln>
+            <a:noFill/>
+          </a:ln>
+        </p:spPr>
+        <p:style>
+          <a:lnRef idx="2">
+            <a:schemeClr val="accent1">
+              <a:shade val="50000"/>
+            </a:schemeClr>
+          </a:lnRef>
+          <a:fillRef idx="1">
+            <a:schemeClr val="accent1"/>
+          </a:fillRef>
+          <a:effectRef idx="0">
+            <a:schemeClr val="accent1"/>
+          </a:effectRef>
+          <a:fontRef idx="minor">
+            <a:schemeClr val="lt1"/>
+          </a:fontRef>
+        </p:style>
+        <p:txBody>
+          <a:bodyPr rtlCol="0" anchor="ctr"/>
+          <a:lstStyle/>
+          <a:p>
+            <a:pPr algn="ctr"/>
+            <a:endParaRPr lang="ko-KR" altLang="en-US"/>
+          </a:p>
+        </p:txBody>
+      </p:sp>
+      <p:sp>
+        <p:nvSpPr>
+          <p:cNvPr id="7" name="내용 개체 틀 2">
+            <a:extLst>
+              <a:ext uri="{FF2B5EF4-FFF2-40B4-BE49-F238E27FC236}">
+                <a16:creationId xmlns:a16="http://schemas.microsoft.com/office/drawing/2014/main" id="{256D84BD-AEA0-00CE-BBC0-D05C86704D00}"/>
+              </a:ext>
+            </a:extLst>
+          </p:cNvPr>
+          <p:cNvSpPr>
+            <a:spLocks noGrp="1"/>
+          </p:cNvSpPr>
+          <p:nvPr>
+            <p:ph idx="1"/>
+          </p:nvPr>
+        </p:nvSpPr>
+        <p:spPr>
+          <a:xfrm>
+            <a:off x="512472" y="1517119"/>
+            <a:ext cx="10515600" cy="5031165"/>
+          </a:xfrm>
+        </p:spPr>
+        <p:txBody>
+          <a:bodyPr>
+            <a:normAutofit/>
+          </a:bodyPr>
+          <a:lstStyle/>
+          <a:p>
+            <a:pPr marL="457200" lvl="1" indent="0">
+              <a:lnSpc>
+                <a:spcPct val="150000"/>
+              </a:lnSpc>
+              <a:buNone/>
+            </a:pPr>
+            <a:endParaRPr lang="en-US" altLang="ko-KR" sz="1600" dirty="0"/>
+          </a:p>
+          <a:p>
+            <a:pPr>
+              <a:lnSpc>
+                <a:spcPct val="150000"/>
+              </a:lnSpc>
+            </a:pPr>
+            <a:endParaRPr lang="en-US" altLang="ko-KR" sz="2000" dirty="0"/>
+          </a:p>
+        </p:txBody>
+      </p:sp>
+      <p:sp>
+        <p:nvSpPr>
+          <p:cNvPr id="4" name="내용 개체 틀 2">
+            <a:extLst>
+              <a:ext uri="{FF2B5EF4-FFF2-40B4-BE49-F238E27FC236}">
+                <a16:creationId xmlns:a16="http://schemas.microsoft.com/office/drawing/2014/main" id="{95697EDB-0A7F-46DB-3D6F-C5C8B2843F9C}"/>
+              </a:ext>
+            </a:extLst>
+          </p:cNvPr>
+          <p:cNvSpPr txBox="1">
+            <a:spLocks/>
+          </p:cNvSpPr>
+          <p:nvPr/>
+        </p:nvSpPr>
+        <p:spPr>
+          <a:xfrm>
+            <a:off x="664872" y="1669519"/>
+            <a:ext cx="10515600" cy="4878765"/>
+          </a:xfrm>
+          <a:prstGeom prst="rect">
+            <a:avLst/>
+          </a:prstGeom>
+        </p:spPr>
+        <p:txBody>
+          <a:bodyPr vert="horz" lIns="91440" tIns="45720" rIns="91440" bIns="45720" rtlCol="0">
+            <a:normAutofit/>
+          </a:bodyPr>
+          <a:lstStyle>
+            <a:lvl1pPr marL="228600" indent="-228600" algn="l" defTabSz="914400" rtl="0" eaLnBrk="1" latinLnBrk="1" hangingPunct="1">
+              <a:lnSpc>
+                <a:spcPct val="90000"/>
+              </a:lnSpc>
+              <a:spcBef>
+                <a:spcPts val="1000"/>
+              </a:spcBef>
+              <a:buFont typeface="Arial" panose="020B0604020202020204" pitchFamily="34" charset="0"/>
+              <a:buChar char="•"/>
+              <a:defRPr sz="2800" kern="1200">
+                <a:solidFill>
+                  <a:schemeClr val="tx1"/>
+                </a:solidFill>
+                <a:latin typeface="+mn-lt"/>
+                <a:ea typeface="+mn-ea"/>
+                <a:cs typeface="+mn-cs"/>
+              </a:defRPr>
+            </a:lvl1pPr>
+            <a:lvl2pPr marL="685800" indent="-228600" algn="l" defTabSz="914400" rtl="0" eaLnBrk="1" latinLnBrk="1" hangingPunct="1">
+              <a:lnSpc>
+                <a:spcPct val="90000"/>
+              </a:lnSpc>
+              <a:spcBef>
+                <a:spcPts val="500"/>
+              </a:spcBef>
+              <a:buFont typeface="Arial" panose="020B0604020202020204" pitchFamily="34" charset="0"/>
+              <a:buChar char="•"/>
+              <a:defRPr sz="2400" kern="1200">
+                <a:solidFill>
+                  <a:schemeClr val="tx1"/>
+                </a:solidFill>
+                <a:latin typeface="+mn-lt"/>
+                <a:ea typeface="+mn-ea"/>
+                <a:cs typeface="+mn-cs"/>
+              </a:defRPr>
+            </a:lvl2pPr>
+            <a:lvl3pPr marL="1143000" indent="-228600" algn="l" defTabSz="914400" rtl="0" eaLnBrk="1" latinLnBrk="1" hangingPunct="1">
+              <a:lnSpc>
+                <a:spcPct val="90000"/>
+              </a:lnSpc>
+              <a:spcBef>
+                <a:spcPts val="500"/>
+              </a:spcBef>
+              <a:buFont typeface="Arial" panose="020B0604020202020204" pitchFamily="34" charset="0"/>
+              <a:buChar char="•"/>
+              <a:defRPr sz="2000" kern="1200">
+                <a:solidFill>
+                  <a:schemeClr val="tx1"/>
+                </a:solidFill>
+                <a:latin typeface="+mn-lt"/>
+                <a:ea typeface="+mn-ea"/>
+                <a:cs typeface="+mn-cs"/>
+              </a:defRPr>
+            </a:lvl3pPr>
+            <a:lvl4pPr marL="1600200" indent="-228600" algn="l" defTabSz="914400" rtl="0" eaLnBrk="1" latinLnBrk="1" hangingPunct="1">
+              <a:lnSpc>
+                <a:spcPct val="90000"/>
+              </a:lnSpc>
+              <a:spcBef>
+                <a:spcPts val="500"/>
+              </a:spcBef>
+              <a:buFont typeface="Arial" panose="020B0604020202020204" pitchFamily="34" charset="0"/>
+              <a:buChar char="•"/>
+              <a:defRPr sz="1800" kern="1200">
+                <a:solidFill>
+                  <a:schemeClr val="tx1"/>
+                </a:solidFill>
+                <a:latin typeface="+mn-lt"/>
+                <a:ea typeface="+mn-ea"/>
+                <a:cs typeface="+mn-cs"/>
+              </a:defRPr>
+            </a:lvl4pPr>
+            <a:lvl5pPr marL="2057400" indent="-228600" algn="l" defTabSz="914400" rtl="0" eaLnBrk="1" latinLnBrk="1" hangingPunct="1">
+              <a:lnSpc>
+                <a:spcPct val="90000"/>
+              </a:lnSpc>
+              <a:spcBef>
+                <a:spcPts val="500"/>
+              </a:spcBef>
+              <a:buFont typeface="Arial" panose="020B0604020202020204" pitchFamily="34" charset="0"/>
+              <a:buChar char="•"/>
+              <a:defRPr sz="1800" kern="1200">
+                <a:solidFill>
+                  <a:schemeClr val="tx1"/>
+                </a:solidFill>
+                <a:latin typeface="+mn-lt"/>
+                <a:ea typeface="+mn-ea"/>
+                <a:cs typeface="+mn-cs"/>
+              </a:defRPr>
+            </a:lvl5pPr>
+            <a:lvl6pPr marL="2514600" indent="-228600" algn="l" defTabSz="914400" rtl="0" eaLnBrk="1" latinLnBrk="1" hangingPunct="1">
+              <a:lnSpc>
+                <a:spcPct val="90000"/>
+              </a:lnSpc>
+              <a:spcBef>
+                <a:spcPts val="500"/>
+              </a:spcBef>
+              <a:buFont typeface="Arial" panose="020B0604020202020204" pitchFamily="34" charset="0"/>
+              <a:buChar char="•"/>
+              <a:defRPr sz="1800" kern="1200">
+                <a:solidFill>
+                  <a:schemeClr val="tx1"/>
+                </a:solidFill>
+                <a:latin typeface="+mn-lt"/>
+                <a:ea typeface="+mn-ea"/>
+                <a:cs typeface="+mn-cs"/>
+              </a:defRPr>
+            </a:lvl6pPr>
+            <a:lvl7pPr marL="2971800" indent="-228600" algn="l" defTabSz="914400" rtl="0" eaLnBrk="1" latinLnBrk="1" hangingPunct="1">
+              <a:lnSpc>
+                <a:spcPct val="90000"/>
+              </a:lnSpc>
+              <a:spcBef>
+                <a:spcPts val="500"/>
+              </a:spcBef>
+              <a:buFont typeface="Arial" panose="020B0604020202020204" pitchFamily="34" charset="0"/>
+              <a:buChar char="•"/>
+              <a:defRPr sz="1800" kern="1200">
+                <a:solidFill>
+                  <a:schemeClr val="tx1"/>
+                </a:solidFill>
+                <a:latin typeface="+mn-lt"/>
+                <a:ea typeface="+mn-ea"/>
+                <a:cs typeface="+mn-cs"/>
+              </a:defRPr>
+            </a:lvl7pPr>
+            <a:lvl8pPr marL="3429000" indent="-228600" algn="l" defTabSz="914400" rtl="0" eaLnBrk="1" latinLnBrk="1" hangingPunct="1">
+              <a:lnSpc>
+                <a:spcPct val="90000"/>
+              </a:lnSpc>
+              <a:spcBef>
+                <a:spcPts val="500"/>
+              </a:spcBef>
+              <a:buFont typeface="Arial" panose="020B0604020202020204" pitchFamily="34" charset="0"/>
+              <a:buChar char="•"/>
+              <a:defRPr sz="1800" kern="1200">
+                <a:solidFill>
+                  <a:schemeClr val="tx1"/>
+                </a:solidFill>
+                <a:latin typeface="+mn-lt"/>
+                <a:ea typeface="+mn-ea"/>
+                <a:cs typeface="+mn-cs"/>
+              </a:defRPr>
+            </a:lvl8pPr>
+            <a:lvl9pPr marL="3886200" indent="-228600" algn="l" defTabSz="914400" rtl="0" eaLnBrk="1" latinLnBrk="1" hangingPunct="1">
+              <a:lnSpc>
+                <a:spcPct val="90000"/>
+              </a:lnSpc>
+              <a:spcBef>
+                <a:spcPts val="500"/>
+              </a:spcBef>
+              <a:buFont typeface="Arial" panose="020B0604020202020204" pitchFamily="34" charset="0"/>
+              <a:buChar char="•"/>
+              <a:defRPr sz="1800" kern="1200">
+                <a:solidFill>
+                  <a:schemeClr val="tx1"/>
+                </a:solidFill>
+                <a:latin typeface="+mn-lt"/>
+                <a:ea typeface="+mn-ea"/>
+                <a:cs typeface="+mn-cs"/>
+              </a:defRPr>
+            </a:lvl9pPr>
+          </a:lstStyle>
+          <a:p>
+            <a:pPr>
+              <a:lnSpc>
+                <a:spcPct val="150000"/>
+              </a:lnSpc>
+            </a:pPr>
+            <a:r>
               <a:rPr lang="en-US" altLang="ko-KR" sz="2000" dirty="0"/>
               <a:t>Junit 5 : The de-facto standard for unit testing  Java applications</a:t>
             </a:r>
@@ -8361,7 +9444,7 @@
 </p:sld>
 </file>
 
-<file path=ppt/slides/slide14.xml><?xml version="1.0" encoding="utf-8"?>
+<file path=ppt/slides/slide16.xml><?xml version="1.0" encoding="utf-8"?>
 <p:sld xmlns:a="http://schemas.openxmlformats.org/drawingml/2006/main" xmlns:r="http://schemas.openxmlformats.org/officeDocument/2006/relationships" xmlns:p="http://schemas.openxmlformats.org/presentationml/2006/main">
   <p:cSld>
     <p:spTree>
@@ -8894,7 +9977,7 @@
 </p:sld>
 </file>
 
-<file path=ppt/slides/slide15.xml><?xml version="1.0" encoding="utf-8"?>
+<file path=ppt/slides/slide17.xml><?xml version="1.0" encoding="utf-8"?>
 <p:sld xmlns:a="http://schemas.openxmlformats.org/drawingml/2006/main" xmlns:r="http://schemas.openxmlformats.org/officeDocument/2006/relationships" xmlns:p="http://schemas.openxmlformats.org/presentationml/2006/main">
   <p:cSld>
     <p:spTree>
@@ -9462,7 +10545,7 @@
 </p:sld>
 </file>
 
-<file path=ppt/slides/slide16.xml><?xml version="1.0" encoding="utf-8"?>
+<file path=ppt/slides/slide18.xml><?xml version="1.0" encoding="utf-8"?>
 <p:sld xmlns:a="http://schemas.openxmlformats.org/drawingml/2006/main" xmlns:r="http://schemas.openxmlformats.org/officeDocument/2006/relationships" xmlns:p="http://schemas.openxmlformats.org/presentationml/2006/main">
   <p:cSld>
     <p:spTree>
@@ -9920,7 +11003,7 @@
 </p:sld>
 </file>
 
-<file path=ppt/slides/slide17.xml><?xml version="1.0" encoding="utf-8"?>
+<file path=ppt/slides/slide19.xml><?xml version="1.0" encoding="utf-8"?>
 <p:sld xmlns:a="http://schemas.openxmlformats.org/drawingml/2006/main" xmlns:r="http://schemas.openxmlformats.org/officeDocument/2006/relationships" xmlns:p="http://schemas.openxmlformats.org/presentationml/2006/main">
   <p:cSld>
     <p:spTree>
@@ -10371,7 +11454,7 @@
 </p:sld>
 </file>
 
-<file path=ppt/slides/slide18.xml><?xml version="1.0" encoding="utf-8"?>
+<file path=ppt/slides/slide2.xml><?xml version="1.0" encoding="utf-8"?>
 <p:sld xmlns:a="http://schemas.openxmlformats.org/drawingml/2006/main" xmlns:r="http://schemas.openxmlformats.org/officeDocument/2006/relationships" xmlns:p="http://schemas.openxmlformats.org/presentationml/2006/main">
   <p:cSld>
     <p:spTree>
@@ -10417,12 +11500,8 @@
           <a:lstStyle/>
           <a:p>
             <a:r>
-              <a:rPr lang="en-US" altLang="ko-KR" sz="4000" b="1" dirty="0" err="1"/>
-              <a:t>WebEnvironment</a:t>
-            </a:r>
-            <a:r>
               <a:rPr lang="en-US" altLang="ko-KR" sz="4000" b="1" dirty="0"/>
-              <a:t> : NONE</a:t>
+              <a:t>contents</a:t>
             </a:r>
             <a:endParaRPr lang="ko-KR" altLang="en-US" sz="4000" b="1" dirty="0"/>
           </a:p>
@@ -10478,7 +11557,7 @@
           <a:lstStyle/>
           <a:p>
             <a:pPr algn="ctr"/>
-            <a:endParaRPr lang="ko-KR" altLang="en-US"/>
+            <a:endParaRPr lang="ko-KR" altLang="en-US" dirty="0"/>
           </a:p>
         </p:txBody>
       </p:sp>
@@ -10510,12 +11589,34 @@
           </a:bodyPr>
           <a:lstStyle/>
           <a:p>
-            <a:pPr marL="457200" lvl="1" indent="0">
+            <a:pPr>
               <a:lnSpc>
                 <a:spcPct val="150000"/>
               </a:lnSpc>
-              <a:buNone/>
             </a:pPr>
+            <a:r>
+              <a:rPr lang="en-US" altLang="ko-KR" sz="2000" dirty="0"/>
+              <a:t>Integration Testing in</a:t>
+            </a:r>
+            <a:r>
+              <a:rPr lang="ko-KR" altLang="en-US" sz="2000" dirty="0"/>
+              <a:t> </a:t>
+            </a:r>
+            <a:r>
+              <a:rPr lang="en-US" altLang="ko-KR" sz="2000" dirty="0"/>
+              <a:t>Spring Boot</a:t>
+            </a:r>
+          </a:p>
+          <a:p>
+            <a:pPr>
+              <a:lnSpc>
+                <a:spcPct val="150000"/>
+              </a:lnSpc>
+            </a:pPr>
+            <a:r>
+              <a:rPr lang="en-US" altLang="ko-KR" sz="2000" dirty="0"/>
+              <a:t>Example Code / DB</a:t>
+            </a:r>
             <a:endParaRPr lang="en-US" altLang="ko-KR" sz="1600" dirty="0"/>
           </a:p>
           <a:p>
@@ -10525,278 +11626,13 @@
               </a:lnSpc>
             </a:pPr>
             <a:endParaRPr lang="en-US" altLang="ko-KR" sz="2000" dirty="0"/>
-          </a:p>
-        </p:txBody>
-      </p:sp>
-      <p:sp>
-        <p:nvSpPr>
-          <p:cNvPr id="4" name="내용 개체 틀 2">
-            <a:extLst>
-              <a:ext uri="{FF2B5EF4-FFF2-40B4-BE49-F238E27FC236}">
-                <a16:creationId xmlns:a16="http://schemas.microsoft.com/office/drawing/2014/main" id="{95697EDB-0A7F-46DB-3D6F-C5C8B2843F9C}"/>
-              </a:ext>
-            </a:extLst>
-          </p:cNvPr>
-          <p:cNvSpPr txBox="1">
-            <a:spLocks/>
-          </p:cNvSpPr>
-          <p:nvPr/>
-        </p:nvSpPr>
-        <p:spPr>
-          <a:xfrm>
-            <a:off x="664872" y="1669519"/>
-            <a:ext cx="10515600" cy="4878765"/>
-          </a:xfrm>
-          <a:prstGeom prst="rect">
-            <a:avLst/>
-          </a:prstGeom>
-        </p:spPr>
-        <p:txBody>
-          <a:bodyPr vert="horz" lIns="91440" tIns="45720" rIns="91440" bIns="45720" rtlCol="0">
-            <a:normAutofit/>
-          </a:bodyPr>
-          <a:lstStyle>
-            <a:lvl1pPr marL="228600" indent="-228600" algn="l" defTabSz="914400" rtl="0" eaLnBrk="1" latinLnBrk="1" hangingPunct="1">
-              <a:lnSpc>
-                <a:spcPct val="90000"/>
-              </a:lnSpc>
-              <a:spcBef>
-                <a:spcPts val="1000"/>
-              </a:spcBef>
-              <a:buFont typeface="Arial" panose="020B0604020202020204" pitchFamily="34" charset="0"/>
-              <a:buChar char="•"/>
-              <a:defRPr sz="2800" kern="1200">
-                <a:solidFill>
-                  <a:schemeClr val="tx1"/>
-                </a:solidFill>
-                <a:latin typeface="+mn-lt"/>
-                <a:ea typeface="+mn-ea"/>
-                <a:cs typeface="+mn-cs"/>
-              </a:defRPr>
-            </a:lvl1pPr>
-            <a:lvl2pPr marL="685800" indent="-228600" algn="l" defTabSz="914400" rtl="0" eaLnBrk="1" latinLnBrk="1" hangingPunct="1">
-              <a:lnSpc>
-                <a:spcPct val="90000"/>
-              </a:lnSpc>
-              <a:spcBef>
-                <a:spcPts val="500"/>
-              </a:spcBef>
-              <a:buFont typeface="Arial" panose="020B0604020202020204" pitchFamily="34" charset="0"/>
-              <a:buChar char="•"/>
-              <a:defRPr sz="2400" kern="1200">
-                <a:solidFill>
-                  <a:schemeClr val="tx1"/>
-                </a:solidFill>
-                <a:latin typeface="+mn-lt"/>
-                <a:ea typeface="+mn-ea"/>
-                <a:cs typeface="+mn-cs"/>
-              </a:defRPr>
-            </a:lvl2pPr>
-            <a:lvl3pPr marL="1143000" indent="-228600" algn="l" defTabSz="914400" rtl="0" eaLnBrk="1" latinLnBrk="1" hangingPunct="1">
-              <a:lnSpc>
-                <a:spcPct val="90000"/>
-              </a:lnSpc>
-              <a:spcBef>
-                <a:spcPts val="500"/>
-              </a:spcBef>
-              <a:buFont typeface="Arial" panose="020B0604020202020204" pitchFamily="34" charset="0"/>
-              <a:buChar char="•"/>
-              <a:defRPr sz="2000" kern="1200">
-                <a:solidFill>
-                  <a:schemeClr val="tx1"/>
-                </a:solidFill>
-                <a:latin typeface="+mn-lt"/>
-                <a:ea typeface="+mn-ea"/>
-                <a:cs typeface="+mn-cs"/>
-              </a:defRPr>
-            </a:lvl3pPr>
-            <a:lvl4pPr marL="1600200" indent="-228600" algn="l" defTabSz="914400" rtl="0" eaLnBrk="1" latinLnBrk="1" hangingPunct="1">
-              <a:lnSpc>
-                <a:spcPct val="90000"/>
-              </a:lnSpc>
-              <a:spcBef>
-                <a:spcPts val="500"/>
-              </a:spcBef>
-              <a:buFont typeface="Arial" panose="020B0604020202020204" pitchFamily="34" charset="0"/>
-              <a:buChar char="•"/>
-              <a:defRPr sz="1800" kern="1200">
-                <a:solidFill>
-                  <a:schemeClr val="tx1"/>
-                </a:solidFill>
-                <a:latin typeface="+mn-lt"/>
-                <a:ea typeface="+mn-ea"/>
-                <a:cs typeface="+mn-cs"/>
-              </a:defRPr>
-            </a:lvl4pPr>
-            <a:lvl5pPr marL="2057400" indent="-228600" algn="l" defTabSz="914400" rtl="0" eaLnBrk="1" latinLnBrk="1" hangingPunct="1">
-              <a:lnSpc>
-                <a:spcPct val="90000"/>
-              </a:lnSpc>
-              <a:spcBef>
-                <a:spcPts val="500"/>
-              </a:spcBef>
-              <a:buFont typeface="Arial" panose="020B0604020202020204" pitchFamily="34" charset="0"/>
-              <a:buChar char="•"/>
-              <a:defRPr sz="1800" kern="1200">
-                <a:solidFill>
-                  <a:schemeClr val="tx1"/>
-                </a:solidFill>
-                <a:latin typeface="+mn-lt"/>
-                <a:ea typeface="+mn-ea"/>
-                <a:cs typeface="+mn-cs"/>
-              </a:defRPr>
-            </a:lvl5pPr>
-            <a:lvl6pPr marL="2514600" indent="-228600" algn="l" defTabSz="914400" rtl="0" eaLnBrk="1" latinLnBrk="1" hangingPunct="1">
-              <a:lnSpc>
-                <a:spcPct val="90000"/>
-              </a:lnSpc>
-              <a:spcBef>
-                <a:spcPts val="500"/>
-              </a:spcBef>
-              <a:buFont typeface="Arial" panose="020B0604020202020204" pitchFamily="34" charset="0"/>
-              <a:buChar char="•"/>
-              <a:defRPr sz="1800" kern="1200">
-                <a:solidFill>
-                  <a:schemeClr val="tx1"/>
-                </a:solidFill>
-                <a:latin typeface="+mn-lt"/>
-                <a:ea typeface="+mn-ea"/>
-                <a:cs typeface="+mn-cs"/>
-              </a:defRPr>
-            </a:lvl6pPr>
-            <a:lvl7pPr marL="2971800" indent="-228600" algn="l" defTabSz="914400" rtl="0" eaLnBrk="1" latinLnBrk="1" hangingPunct="1">
-              <a:lnSpc>
-                <a:spcPct val="90000"/>
-              </a:lnSpc>
-              <a:spcBef>
-                <a:spcPts val="500"/>
-              </a:spcBef>
-              <a:buFont typeface="Arial" panose="020B0604020202020204" pitchFamily="34" charset="0"/>
-              <a:buChar char="•"/>
-              <a:defRPr sz="1800" kern="1200">
-                <a:solidFill>
-                  <a:schemeClr val="tx1"/>
-                </a:solidFill>
-                <a:latin typeface="+mn-lt"/>
-                <a:ea typeface="+mn-ea"/>
-                <a:cs typeface="+mn-cs"/>
-              </a:defRPr>
-            </a:lvl7pPr>
-            <a:lvl8pPr marL="3429000" indent="-228600" algn="l" defTabSz="914400" rtl="0" eaLnBrk="1" latinLnBrk="1" hangingPunct="1">
-              <a:lnSpc>
-                <a:spcPct val="90000"/>
-              </a:lnSpc>
-              <a:spcBef>
-                <a:spcPts val="500"/>
-              </a:spcBef>
-              <a:buFont typeface="Arial" panose="020B0604020202020204" pitchFamily="34" charset="0"/>
-              <a:buChar char="•"/>
-              <a:defRPr sz="1800" kern="1200">
-                <a:solidFill>
-                  <a:schemeClr val="tx1"/>
-                </a:solidFill>
-                <a:latin typeface="+mn-lt"/>
-                <a:ea typeface="+mn-ea"/>
-                <a:cs typeface="+mn-cs"/>
-              </a:defRPr>
-            </a:lvl8pPr>
-            <a:lvl9pPr marL="3886200" indent="-228600" algn="l" defTabSz="914400" rtl="0" eaLnBrk="1" latinLnBrk="1" hangingPunct="1">
-              <a:lnSpc>
-                <a:spcPct val="90000"/>
-              </a:lnSpc>
-              <a:spcBef>
-                <a:spcPts val="500"/>
-              </a:spcBef>
-              <a:buFont typeface="Arial" panose="020B0604020202020204" pitchFamily="34" charset="0"/>
-              <a:buChar char="•"/>
-              <a:defRPr sz="1800" kern="1200">
-                <a:solidFill>
-                  <a:schemeClr val="tx1"/>
-                </a:solidFill>
-                <a:latin typeface="+mn-lt"/>
-                <a:ea typeface="+mn-ea"/>
-                <a:cs typeface="+mn-cs"/>
-              </a:defRPr>
-            </a:lvl9pPr>
-          </a:lstStyle>
-          <a:p>
-            <a:pPr>
-              <a:lnSpc>
-                <a:spcPct val="150000"/>
-              </a:lnSpc>
-            </a:pPr>
-            <a:r>
-              <a:rPr lang="ko-KR" altLang="en-US" sz="1800" dirty="0"/>
-              <a:t>기본적인 </a:t>
-            </a:r>
-            <a:r>
-              <a:rPr lang="en-US" altLang="ko-KR" sz="1800" dirty="0" err="1"/>
-              <a:t>ApplicationContext</a:t>
-            </a:r>
-            <a:r>
-              <a:rPr lang="ko-KR" altLang="en-US" sz="1800" dirty="0"/>
-              <a:t>를 </a:t>
-            </a:r>
-            <a:r>
-              <a:rPr lang="ko-KR" altLang="en-US" sz="1800" dirty="0" err="1"/>
-              <a:t>로드한다</a:t>
-            </a:r>
-            <a:r>
-              <a:rPr lang="en-US" altLang="ko-KR" sz="1800" dirty="0"/>
-              <a:t>.</a:t>
-            </a:r>
-          </a:p>
-        </p:txBody>
-      </p:sp>
-      <p:sp>
-        <p:nvSpPr>
-          <p:cNvPr id="5" name="TextBox 4">
-            <a:extLst>
-              <a:ext uri="{FF2B5EF4-FFF2-40B4-BE49-F238E27FC236}">
-                <a16:creationId xmlns:a16="http://schemas.microsoft.com/office/drawing/2014/main" id="{499A35C1-38FE-6D41-1083-AE7713156074}"/>
-              </a:ext>
-            </a:extLst>
-          </p:cNvPr>
-          <p:cNvSpPr txBox="1"/>
-          <p:nvPr/>
-        </p:nvSpPr>
-        <p:spPr>
-          <a:xfrm>
-            <a:off x="762717" y="6358667"/>
-            <a:ext cx="9230369" cy="307777"/>
-          </a:xfrm>
-          <a:prstGeom prst="rect">
-            <a:avLst/>
-          </a:prstGeom>
-          <a:noFill/>
-        </p:spPr>
-        <p:txBody>
-          <a:bodyPr wrap="square">
-            <a:spAutoFit/>
-          </a:bodyPr>
-          <a:lstStyle/>
-          <a:p>
-            <a:r>
-              <a:rPr lang="ko-KR" altLang="en-US" sz="1400" i="1" dirty="0">
-                <a:solidFill>
-                  <a:srgbClr val="002060"/>
-                </a:solidFill>
-                <a:hlinkClick r:id="rId3"/>
-              </a:rPr>
-              <a:t>https://docs.spring.io/spring-boot/docs/current/reference/html/features.html#features.testing</a:t>
-            </a:r>
-            <a:endParaRPr lang="ko-KR" altLang="en-US" sz="1400" i="1" dirty="0">
-              <a:solidFill>
-                <a:srgbClr val="002060"/>
-              </a:solidFill>
-            </a:endParaRPr>
           </a:p>
         </p:txBody>
       </p:sp>
     </p:spTree>
     <p:extLst>
       <p:ext uri="{BB962C8B-B14F-4D97-AF65-F5344CB8AC3E}">
-        <p14:creationId xmlns:p14="http://schemas.microsoft.com/office/powerpoint/2010/main" val="1234482671"/>
+        <p14:creationId xmlns:p14="http://schemas.microsoft.com/office/powerpoint/2010/main" val="886824174"/>
       </p:ext>
     </p:extLst>
   </p:cSld>
@@ -10806,7 +11642,7 @@
 </p:sld>
 </file>
 
-<file path=ppt/slides/slide19.xml><?xml version="1.0" encoding="utf-8"?>
+<file path=ppt/slides/slide20.xml><?xml version="1.0" encoding="utf-8"?>
 <p:sld xmlns:a="http://schemas.openxmlformats.org/drawingml/2006/main" xmlns:r="http://schemas.openxmlformats.org/officeDocument/2006/relationships" xmlns:p="http://schemas.openxmlformats.org/presentationml/2006/main">
   <p:cSld>
     <p:spTree>
@@ -10852,12 +11688,12 @@
           <a:lstStyle/>
           <a:p>
             <a:r>
+              <a:rPr lang="en-US" altLang="ko-KR" sz="4000" b="1" dirty="0" err="1"/>
+              <a:t>WebEnvironment</a:t>
+            </a:r>
+            <a:r>
               <a:rPr lang="en-US" altLang="ko-KR" sz="4000" b="1" dirty="0"/>
-              <a:t>Integration Testing : </a:t>
-            </a:r>
-            <a:r>
-              <a:rPr lang="en-US" altLang="ko-KR" sz="4000" b="1" dirty="0" err="1"/>
-              <a:t>MockMvc</a:t>
+              <a:t> : NONE</a:t>
             </a:r>
             <a:endParaRPr lang="ko-KR" altLang="en-US" sz="4000" b="1" dirty="0"/>
           </a:p>
@@ -10919,10 +11755,56 @@
       </p:sp>
       <p:sp>
         <p:nvSpPr>
+          <p:cNvPr id="7" name="내용 개체 틀 2">
+            <a:extLst>
+              <a:ext uri="{FF2B5EF4-FFF2-40B4-BE49-F238E27FC236}">
+                <a16:creationId xmlns:a16="http://schemas.microsoft.com/office/drawing/2014/main" id="{256D84BD-AEA0-00CE-BBC0-D05C86704D00}"/>
+              </a:ext>
+            </a:extLst>
+          </p:cNvPr>
+          <p:cNvSpPr>
+            <a:spLocks noGrp="1"/>
+          </p:cNvSpPr>
+          <p:nvPr>
+            <p:ph idx="1"/>
+          </p:nvPr>
+        </p:nvSpPr>
+        <p:spPr>
+          <a:xfrm>
+            <a:off x="512472" y="1517119"/>
+            <a:ext cx="10515600" cy="5031165"/>
+          </a:xfrm>
+        </p:spPr>
+        <p:txBody>
+          <a:bodyPr>
+            <a:normAutofit/>
+          </a:bodyPr>
+          <a:lstStyle/>
+          <a:p>
+            <a:pPr marL="457200" lvl="1" indent="0">
+              <a:lnSpc>
+                <a:spcPct val="150000"/>
+              </a:lnSpc>
+              <a:buNone/>
+            </a:pPr>
+            <a:endParaRPr lang="en-US" altLang="ko-KR" sz="1600" dirty="0"/>
+          </a:p>
+          <a:p>
+            <a:pPr>
+              <a:lnSpc>
+                <a:spcPct val="150000"/>
+              </a:lnSpc>
+            </a:pPr>
+            <a:endParaRPr lang="en-US" altLang="ko-KR" sz="2000" dirty="0"/>
+          </a:p>
+        </p:txBody>
+      </p:sp>
+      <p:sp>
+        <p:nvSpPr>
           <p:cNvPr id="4" name="내용 개체 틀 2">
             <a:extLst>
               <a:ext uri="{FF2B5EF4-FFF2-40B4-BE49-F238E27FC236}">
-                <a16:creationId xmlns:a16="http://schemas.microsoft.com/office/drawing/2014/main" id="{5CF676CF-D071-6145-5764-F9B85BE8BB42}"/>
+                <a16:creationId xmlns:a16="http://schemas.microsoft.com/office/drawing/2014/main" id="{95697EDB-0A7F-46DB-3D6F-C5C8B2843F9C}"/>
               </a:ext>
             </a:extLst>
           </p:cNvPr>
@@ -10934,7 +11816,7 @@
         <p:spPr>
           <a:xfrm>
             <a:off x="664872" y="1669519"/>
-            <a:ext cx="10515600" cy="5031165"/>
+            <a:ext cx="10515600" cy="4878765"/>
           </a:xfrm>
           <a:prstGeom prst="rect">
             <a:avLst/>
@@ -11115,73 +11997,77 @@
               </a:lnSpc>
             </a:pPr>
             <a:r>
+              <a:rPr lang="ko-KR" altLang="en-US" sz="1800" dirty="0"/>
+              <a:t>기본적인 </a:t>
+            </a:r>
+            <a:r>
               <a:rPr lang="en-US" altLang="ko-KR" sz="1800" dirty="0" err="1"/>
-              <a:t>MockMvc</a:t>
+              <a:t>ApplicationContext</a:t>
             </a:r>
             <a:r>
               <a:rPr lang="ko-KR" altLang="en-US" sz="1800" dirty="0"/>
-              <a:t>는 웹 어플리케이션을 애플리케이션 서버에 배포하지 않고 테스트용 </a:t>
+              <a:t>를 </a:t>
+            </a:r>
+            <a:r>
+              <a:rPr lang="ko-KR" altLang="en-US" sz="1800" dirty="0" err="1"/>
+              <a:t>로드한다</a:t>
             </a:r>
             <a:r>
               <a:rPr lang="en-US" altLang="ko-KR" sz="1800" dirty="0"/>
-              <a:t>MVC</a:t>
-            </a:r>
-            <a:r>
-              <a:rPr lang="ko-KR" altLang="en-US" sz="1800" dirty="0"/>
-              <a:t>환경을 만들어 요청 및 전송</a:t>
-            </a:r>
-            <a:r>
-              <a:rPr lang="en-US" altLang="ko-KR" sz="1800" dirty="0"/>
-              <a:t>, </a:t>
-            </a:r>
-            <a:r>
-              <a:rPr lang="ko-KR" altLang="en-US" sz="1800" dirty="0"/>
-              <a:t>응답기능을 제공해주는 유틸리티 클래스</a:t>
-            </a:r>
-            <a:endParaRPr lang="en-US" altLang="ko-KR" sz="1800" dirty="0"/>
-          </a:p>
-          <a:p>
-            <a:pPr>
-              <a:lnSpc>
-                <a:spcPct val="150000"/>
-              </a:lnSpc>
-            </a:pPr>
-            <a:r>
-              <a:rPr lang="ko-KR" altLang="en-US" sz="1800" dirty="0"/>
-              <a:t>모의 요청 및 응답 객체를 생성하여 </a:t>
-            </a:r>
-            <a:r>
-              <a:rPr lang="en-US" altLang="ko-KR" sz="1800" dirty="0"/>
-              <a:t>HTTP </a:t>
-            </a:r>
-            <a:r>
-              <a:rPr lang="ko-KR" altLang="en-US" sz="1800" dirty="0"/>
-              <a:t>요청을 </a:t>
-            </a:r>
-            <a:r>
-              <a:rPr lang="ko-KR" altLang="en-US" sz="1800" dirty="0" err="1"/>
-              <a:t>에뮬레이트</a:t>
-            </a:r>
-            <a:endParaRPr lang="en-US" altLang="ko-KR" sz="1800" dirty="0"/>
-          </a:p>
-          <a:p>
-            <a:pPr>
-              <a:lnSpc>
-                <a:spcPct val="150000"/>
-              </a:lnSpc>
-            </a:pPr>
-            <a:r>
-              <a:rPr lang="ko-KR" altLang="en-US" sz="1800" dirty="0"/>
-              <a:t>컨트롤러 메서드를 직접 호출하고 응답을 확인해 컨트롤러 계층만 테스트 </a:t>
-            </a:r>
-            <a:endParaRPr lang="en-US" altLang="ko-KR" sz="1800" dirty="0"/>
+              <a:t>.</a:t>
+            </a:r>
+          </a:p>
+        </p:txBody>
+      </p:sp>
+      <p:sp>
+        <p:nvSpPr>
+          <p:cNvPr id="5" name="TextBox 4">
+            <a:extLst>
+              <a:ext uri="{FF2B5EF4-FFF2-40B4-BE49-F238E27FC236}">
+                <a16:creationId xmlns:a16="http://schemas.microsoft.com/office/drawing/2014/main" id="{499A35C1-38FE-6D41-1083-AE7713156074}"/>
+              </a:ext>
+            </a:extLst>
+          </p:cNvPr>
+          <p:cNvSpPr txBox="1"/>
+          <p:nvPr/>
+        </p:nvSpPr>
+        <p:spPr>
+          <a:xfrm>
+            <a:off x="762717" y="6358667"/>
+            <a:ext cx="9230369" cy="307777"/>
+          </a:xfrm>
+          <a:prstGeom prst="rect">
+            <a:avLst/>
+          </a:prstGeom>
+          <a:noFill/>
+        </p:spPr>
+        <p:txBody>
+          <a:bodyPr wrap="square">
+            <a:spAutoFit/>
+          </a:bodyPr>
+          <a:lstStyle/>
+          <a:p>
+            <a:r>
+              <a:rPr lang="ko-KR" altLang="en-US" sz="1400" i="1" dirty="0">
+                <a:solidFill>
+                  <a:srgbClr val="002060"/>
+                </a:solidFill>
+                <a:hlinkClick r:id="rId3"/>
+              </a:rPr>
+              <a:t>https://docs.spring.io/spring-boot/docs/current/reference/html/features.html#features.testing</a:t>
+            </a:r>
+            <a:endParaRPr lang="ko-KR" altLang="en-US" sz="1400" i="1" dirty="0">
+              <a:solidFill>
+                <a:srgbClr val="002060"/>
+              </a:solidFill>
+            </a:endParaRPr>
           </a:p>
         </p:txBody>
       </p:sp>
     </p:spTree>
     <p:extLst>
       <p:ext uri="{BB962C8B-B14F-4D97-AF65-F5344CB8AC3E}">
-        <p14:creationId xmlns:p14="http://schemas.microsoft.com/office/powerpoint/2010/main" val="610099114"/>
+        <p14:creationId xmlns:p14="http://schemas.microsoft.com/office/powerpoint/2010/main" val="1234482671"/>
       </p:ext>
     </p:extLst>
   </p:cSld>
@@ -11191,7 +12077,7 @@
 </p:sld>
 </file>
 
-<file path=ppt/slides/slide2.xml><?xml version="1.0" encoding="utf-8"?>
+<file path=ppt/slides/slide21.xml><?xml version="1.0" encoding="utf-8"?>
 <p:sld xmlns:a="http://schemas.openxmlformats.org/drawingml/2006/main" xmlns:r="http://schemas.openxmlformats.org/officeDocument/2006/relationships" xmlns:p="http://schemas.openxmlformats.org/presentationml/2006/main">
   <p:cSld>
     <p:spTree>
@@ -11238,7 +12124,11 @@
           <a:p>
             <a:r>
               <a:rPr lang="en-US" altLang="ko-KR" sz="4000" b="1" dirty="0"/>
-              <a:t>contents</a:t>
+              <a:t>Integration Testing : </a:t>
+            </a:r>
+            <a:r>
+              <a:rPr lang="en-US" altLang="ko-KR" sz="4000" b="1" dirty="0" err="1"/>
+              <a:t>MockMvc</a:t>
             </a:r>
             <a:endParaRPr lang="ko-KR" altLang="en-US" sz="4000" b="1" dirty="0"/>
           </a:p>
@@ -11294,37 +12184,201 @@
           <a:lstStyle/>
           <a:p>
             <a:pPr algn="ctr"/>
-            <a:endParaRPr lang="ko-KR" altLang="en-US" dirty="0"/>
-          </a:p>
-        </p:txBody>
-      </p:sp>
-      <p:sp>
-        <p:nvSpPr>
-          <p:cNvPr id="7" name="내용 개체 틀 2">
-            <a:extLst>
-              <a:ext uri="{FF2B5EF4-FFF2-40B4-BE49-F238E27FC236}">
-                <a16:creationId xmlns:a16="http://schemas.microsoft.com/office/drawing/2014/main" id="{256D84BD-AEA0-00CE-BBC0-D05C86704D00}"/>
-              </a:ext>
-            </a:extLst>
-          </p:cNvPr>
-          <p:cNvSpPr>
-            <a:spLocks noGrp="1"/>
-          </p:cNvSpPr>
-          <p:nvPr>
-            <p:ph idx="1"/>
-          </p:nvPr>
+            <a:endParaRPr lang="ko-KR" altLang="en-US"/>
+          </a:p>
+        </p:txBody>
+      </p:sp>
+      <p:sp>
+        <p:nvSpPr>
+          <p:cNvPr id="4" name="내용 개체 틀 2">
+            <a:extLst>
+              <a:ext uri="{FF2B5EF4-FFF2-40B4-BE49-F238E27FC236}">
+                <a16:creationId xmlns:a16="http://schemas.microsoft.com/office/drawing/2014/main" id="{5CF676CF-D071-6145-5764-F9B85BE8BB42}"/>
+              </a:ext>
+            </a:extLst>
+          </p:cNvPr>
+          <p:cNvSpPr txBox="1">
+            <a:spLocks/>
+          </p:cNvSpPr>
+          <p:nvPr/>
         </p:nvSpPr>
         <p:spPr>
           <a:xfrm>
-            <a:off x="512472" y="1517119"/>
+            <a:off x="664872" y="1669519"/>
             <a:ext cx="10515600" cy="5031165"/>
           </a:xfrm>
+          <a:prstGeom prst="rect">
+            <a:avLst/>
+          </a:prstGeom>
         </p:spPr>
         <p:txBody>
-          <a:bodyPr>
+          <a:bodyPr vert="horz" lIns="91440" tIns="45720" rIns="91440" bIns="45720" rtlCol="0">
             <a:normAutofit/>
           </a:bodyPr>
-          <a:lstStyle/>
+          <a:lstStyle>
+            <a:lvl1pPr marL="228600" indent="-228600" algn="l" defTabSz="914400" rtl="0" eaLnBrk="1" latinLnBrk="1" hangingPunct="1">
+              <a:lnSpc>
+                <a:spcPct val="90000"/>
+              </a:lnSpc>
+              <a:spcBef>
+                <a:spcPts val="1000"/>
+              </a:spcBef>
+              <a:buFont typeface="Arial" panose="020B0604020202020204" pitchFamily="34" charset="0"/>
+              <a:buChar char="•"/>
+              <a:defRPr sz="2800" kern="1200">
+                <a:solidFill>
+                  <a:schemeClr val="tx1"/>
+                </a:solidFill>
+                <a:latin typeface="+mn-lt"/>
+                <a:ea typeface="+mn-ea"/>
+                <a:cs typeface="+mn-cs"/>
+              </a:defRPr>
+            </a:lvl1pPr>
+            <a:lvl2pPr marL="685800" indent="-228600" algn="l" defTabSz="914400" rtl="0" eaLnBrk="1" latinLnBrk="1" hangingPunct="1">
+              <a:lnSpc>
+                <a:spcPct val="90000"/>
+              </a:lnSpc>
+              <a:spcBef>
+                <a:spcPts val="500"/>
+              </a:spcBef>
+              <a:buFont typeface="Arial" panose="020B0604020202020204" pitchFamily="34" charset="0"/>
+              <a:buChar char="•"/>
+              <a:defRPr sz="2400" kern="1200">
+                <a:solidFill>
+                  <a:schemeClr val="tx1"/>
+                </a:solidFill>
+                <a:latin typeface="+mn-lt"/>
+                <a:ea typeface="+mn-ea"/>
+                <a:cs typeface="+mn-cs"/>
+              </a:defRPr>
+            </a:lvl2pPr>
+            <a:lvl3pPr marL="1143000" indent="-228600" algn="l" defTabSz="914400" rtl="0" eaLnBrk="1" latinLnBrk="1" hangingPunct="1">
+              <a:lnSpc>
+                <a:spcPct val="90000"/>
+              </a:lnSpc>
+              <a:spcBef>
+                <a:spcPts val="500"/>
+              </a:spcBef>
+              <a:buFont typeface="Arial" panose="020B0604020202020204" pitchFamily="34" charset="0"/>
+              <a:buChar char="•"/>
+              <a:defRPr sz="2000" kern="1200">
+                <a:solidFill>
+                  <a:schemeClr val="tx1"/>
+                </a:solidFill>
+                <a:latin typeface="+mn-lt"/>
+                <a:ea typeface="+mn-ea"/>
+                <a:cs typeface="+mn-cs"/>
+              </a:defRPr>
+            </a:lvl3pPr>
+            <a:lvl4pPr marL="1600200" indent="-228600" algn="l" defTabSz="914400" rtl="0" eaLnBrk="1" latinLnBrk="1" hangingPunct="1">
+              <a:lnSpc>
+                <a:spcPct val="90000"/>
+              </a:lnSpc>
+              <a:spcBef>
+                <a:spcPts val="500"/>
+              </a:spcBef>
+              <a:buFont typeface="Arial" panose="020B0604020202020204" pitchFamily="34" charset="0"/>
+              <a:buChar char="•"/>
+              <a:defRPr sz="1800" kern="1200">
+                <a:solidFill>
+                  <a:schemeClr val="tx1"/>
+                </a:solidFill>
+                <a:latin typeface="+mn-lt"/>
+                <a:ea typeface="+mn-ea"/>
+                <a:cs typeface="+mn-cs"/>
+              </a:defRPr>
+            </a:lvl4pPr>
+            <a:lvl5pPr marL="2057400" indent="-228600" algn="l" defTabSz="914400" rtl="0" eaLnBrk="1" latinLnBrk="1" hangingPunct="1">
+              <a:lnSpc>
+                <a:spcPct val="90000"/>
+              </a:lnSpc>
+              <a:spcBef>
+                <a:spcPts val="500"/>
+              </a:spcBef>
+              <a:buFont typeface="Arial" panose="020B0604020202020204" pitchFamily="34" charset="0"/>
+              <a:buChar char="•"/>
+              <a:defRPr sz="1800" kern="1200">
+                <a:solidFill>
+                  <a:schemeClr val="tx1"/>
+                </a:solidFill>
+                <a:latin typeface="+mn-lt"/>
+                <a:ea typeface="+mn-ea"/>
+                <a:cs typeface="+mn-cs"/>
+              </a:defRPr>
+            </a:lvl5pPr>
+            <a:lvl6pPr marL="2514600" indent="-228600" algn="l" defTabSz="914400" rtl="0" eaLnBrk="1" latinLnBrk="1" hangingPunct="1">
+              <a:lnSpc>
+                <a:spcPct val="90000"/>
+              </a:lnSpc>
+              <a:spcBef>
+                <a:spcPts val="500"/>
+              </a:spcBef>
+              <a:buFont typeface="Arial" panose="020B0604020202020204" pitchFamily="34" charset="0"/>
+              <a:buChar char="•"/>
+              <a:defRPr sz="1800" kern="1200">
+                <a:solidFill>
+                  <a:schemeClr val="tx1"/>
+                </a:solidFill>
+                <a:latin typeface="+mn-lt"/>
+                <a:ea typeface="+mn-ea"/>
+                <a:cs typeface="+mn-cs"/>
+              </a:defRPr>
+            </a:lvl6pPr>
+            <a:lvl7pPr marL="2971800" indent="-228600" algn="l" defTabSz="914400" rtl="0" eaLnBrk="1" latinLnBrk="1" hangingPunct="1">
+              <a:lnSpc>
+                <a:spcPct val="90000"/>
+              </a:lnSpc>
+              <a:spcBef>
+                <a:spcPts val="500"/>
+              </a:spcBef>
+              <a:buFont typeface="Arial" panose="020B0604020202020204" pitchFamily="34" charset="0"/>
+              <a:buChar char="•"/>
+              <a:defRPr sz="1800" kern="1200">
+                <a:solidFill>
+                  <a:schemeClr val="tx1"/>
+                </a:solidFill>
+                <a:latin typeface="+mn-lt"/>
+                <a:ea typeface="+mn-ea"/>
+                <a:cs typeface="+mn-cs"/>
+              </a:defRPr>
+            </a:lvl7pPr>
+            <a:lvl8pPr marL="3429000" indent="-228600" algn="l" defTabSz="914400" rtl="0" eaLnBrk="1" latinLnBrk="1" hangingPunct="1">
+              <a:lnSpc>
+                <a:spcPct val="90000"/>
+              </a:lnSpc>
+              <a:spcBef>
+                <a:spcPts val="500"/>
+              </a:spcBef>
+              <a:buFont typeface="Arial" panose="020B0604020202020204" pitchFamily="34" charset="0"/>
+              <a:buChar char="•"/>
+              <a:defRPr sz="1800" kern="1200">
+                <a:solidFill>
+                  <a:schemeClr val="tx1"/>
+                </a:solidFill>
+                <a:latin typeface="+mn-lt"/>
+                <a:ea typeface="+mn-ea"/>
+                <a:cs typeface="+mn-cs"/>
+              </a:defRPr>
+            </a:lvl8pPr>
+            <a:lvl9pPr marL="3886200" indent="-228600" algn="l" defTabSz="914400" rtl="0" eaLnBrk="1" latinLnBrk="1" hangingPunct="1">
+              <a:lnSpc>
+                <a:spcPct val="90000"/>
+              </a:lnSpc>
+              <a:spcBef>
+                <a:spcPts val="500"/>
+              </a:spcBef>
+              <a:buFont typeface="Arial" panose="020B0604020202020204" pitchFamily="34" charset="0"/>
+              <a:buChar char="•"/>
+              <a:defRPr sz="1800" kern="1200">
+                <a:solidFill>
+                  <a:schemeClr val="tx1"/>
+                </a:solidFill>
+                <a:latin typeface="+mn-lt"/>
+                <a:ea typeface="+mn-ea"/>
+                <a:cs typeface="+mn-cs"/>
+              </a:defRPr>
+            </a:lvl9pPr>
+          </a:lstStyle>
           <a:p>
             <a:pPr>
               <a:lnSpc>
@@ -11332,17 +12386,30 @@
               </a:lnSpc>
             </a:pPr>
             <a:r>
-              <a:rPr lang="en-US" altLang="ko-KR" sz="2000" dirty="0"/>
-              <a:t>Integration Testing in</a:t>
-            </a:r>
-            <a:r>
-              <a:rPr lang="ko-KR" altLang="en-US" sz="2000" dirty="0"/>
-              <a:t> </a:t>
-            </a:r>
-            <a:r>
-              <a:rPr lang="en-US" altLang="ko-KR" sz="2000" dirty="0"/>
-              <a:t>Spring Boot</a:t>
-            </a:r>
+              <a:rPr lang="en-US" altLang="ko-KR" sz="1800" dirty="0" err="1"/>
+              <a:t>MockMvc</a:t>
+            </a:r>
+            <a:r>
+              <a:rPr lang="ko-KR" altLang="en-US" sz="1800" dirty="0"/>
+              <a:t>는 웹 어플리케이션을 애플리케이션 서버에 배포하지 않고 테스트용 </a:t>
+            </a:r>
+            <a:r>
+              <a:rPr lang="en-US" altLang="ko-KR" sz="1800" dirty="0"/>
+              <a:t>MVC</a:t>
+            </a:r>
+            <a:r>
+              <a:rPr lang="ko-KR" altLang="en-US" sz="1800" dirty="0"/>
+              <a:t>환경을 만들어 요청 및 전송</a:t>
+            </a:r>
+            <a:r>
+              <a:rPr lang="en-US" altLang="ko-KR" sz="1800" dirty="0"/>
+              <a:t>, </a:t>
+            </a:r>
+            <a:r>
+              <a:rPr lang="ko-KR" altLang="en-US" sz="1800" dirty="0"/>
+              <a:t>응답기능을 제공해주는 유틸리티 클래스</a:t>
+            </a:r>
+            <a:endParaRPr lang="en-US" altLang="ko-KR" sz="1800" dirty="0"/>
           </a:p>
           <a:p>
             <a:pPr>
@@ -11351,10 +12418,22 @@
               </a:lnSpc>
             </a:pPr>
             <a:r>
-              <a:rPr lang="en-US" altLang="ko-KR" sz="2000" dirty="0"/>
-              <a:t>Example Code / DB</a:t>
-            </a:r>
-            <a:endParaRPr lang="en-US" altLang="ko-KR" sz="1600" dirty="0"/>
+              <a:rPr lang="ko-KR" altLang="en-US" sz="1800" dirty="0"/>
+              <a:t>모의 요청 및 응답 객체를 생성하여 </a:t>
+            </a:r>
+            <a:r>
+              <a:rPr lang="en-US" altLang="ko-KR" sz="1800" dirty="0"/>
+              <a:t>HTTP </a:t>
+            </a:r>
+            <a:r>
+              <a:rPr lang="ko-KR" altLang="en-US" sz="1800" dirty="0"/>
+              <a:t>요청을 </a:t>
+            </a:r>
+            <a:r>
+              <a:rPr lang="ko-KR" altLang="en-US" sz="1800" dirty="0" err="1"/>
+              <a:t>에뮬레이트</a:t>
+            </a:r>
+            <a:endParaRPr lang="en-US" altLang="ko-KR" sz="1800" dirty="0"/>
           </a:p>
           <a:p>
             <a:pPr>
@@ -11362,14 +12441,18 @@
                 <a:spcPct val="150000"/>
               </a:lnSpc>
             </a:pPr>
-            <a:endParaRPr lang="en-US" altLang="ko-KR" sz="2000" dirty="0"/>
+            <a:r>
+              <a:rPr lang="ko-KR" altLang="en-US" sz="1800" dirty="0"/>
+              <a:t>컨트롤러 메서드를 직접 호출하고 응답을 확인해 컨트롤러 계층만 테스트 </a:t>
+            </a:r>
+            <a:endParaRPr lang="en-US" altLang="ko-KR" sz="1800" dirty="0"/>
           </a:p>
         </p:txBody>
       </p:sp>
     </p:spTree>
     <p:extLst>
       <p:ext uri="{BB962C8B-B14F-4D97-AF65-F5344CB8AC3E}">
-        <p14:creationId xmlns:p14="http://schemas.microsoft.com/office/powerpoint/2010/main" val="886824174"/>
+        <p14:creationId xmlns:p14="http://schemas.microsoft.com/office/powerpoint/2010/main" val="610099114"/>
       </p:ext>
     </p:extLst>
   </p:cSld>
@@ -11379,7 +12462,7 @@
 </p:sld>
 </file>
 
-<file path=ppt/slides/slide20.xml><?xml version="1.0" encoding="utf-8"?>
+<file path=ppt/slides/slide22.xml><?xml version="1.0" encoding="utf-8"?>
 <p:sld xmlns:a="http://schemas.openxmlformats.org/drawingml/2006/main" xmlns:r="http://schemas.openxmlformats.org/officeDocument/2006/relationships" xmlns:p="http://schemas.openxmlformats.org/presentationml/2006/main">
   <p:cSld>
     <p:spTree>
@@ -11884,7 +12967,7 @@
 </p:sld>
 </file>
 
-<file path=ppt/slides/slide21.xml><?xml version="1.0" encoding="utf-8"?>
+<file path=ppt/slides/slide23.xml><?xml version="1.0" encoding="utf-8"?>
 <p:sld xmlns:a="http://schemas.openxmlformats.org/drawingml/2006/main" xmlns:r="http://schemas.openxmlformats.org/officeDocument/2006/relationships" xmlns:p="http://schemas.openxmlformats.org/presentationml/2006/main">
   <p:cSld>
     <p:spTree>
@@ -12425,7 +13508,7 @@
 </p:sld>
 </file>
 
-<file path=ppt/slides/slide22.xml><?xml version="1.0" encoding="utf-8"?>
+<file path=ppt/slides/slide24.xml><?xml version="1.0" encoding="utf-8"?>
 <p:sld xmlns:a="http://schemas.openxmlformats.org/drawingml/2006/main" xmlns:r="http://schemas.openxmlformats.org/officeDocument/2006/relationships" xmlns:p="http://schemas.openxmlformats.org/presentationml/2006/main">
   <p:cSld>
     <p:spTree>
@@ -12966,7 +14049,7 @@
 </p:sld>
 </file>
 
-<file path=ppt/slides/slide23.xml><?xml version="1.0" encoding="utf-8"?>
+<file path=ppt/slides/slide25.xml><?xml version="1.0" encoding="utf-8"?>
 <p:sld xmlns:a="http://schemas.openxmlformats.org/drawingml/2006/main" xmlns:r="http://schemas.openxmlformats.org/officeDocument/2006/relationships" xmlns:p="http://schemas.openxmlformats.org/presentationml/2006/main">
   <p:cSld>
     <p:spTree>
@@ -13150,7 +14233,7 @@
 </p:sld>
 </file>
 
-<file path=ppt/slides/slide24.xml><?xml version="1.0" encoding="utf-8"?>
+<file path=ppt/slides/slide26.xml><?xml version="1.0" encoding="utf-8"?>
 <p:sld xmlns:a="http://schemas.openxmlformats.org/drawingml/2006/main" xmlns:r="http://schemas.openxmlformats.org/officeDocument/2006/relationships" xmlns:p="http://schemas.openxmlformats.org/presentationml/2006/main">
   <p:cSld>
     <p:spTree>
@@ -13364,7 +14447,7 @@
 </p:sld>
 </file>
 
-<file path=ppt/slides/slide25.xml><?xml version="1.0" encoding="utf-8"?>
+<file path=ppt/slides/slide27.xml><?xml version="1.0" encoding="utf-8"?>
 <p:sld xmlns:a="http://schemas.openxmlformats.org/drawingml/2006/main" xmlns:r="http://schemas.openxmlformats.org/officeDocument/2006/relationships" xmlns:p="http://schemas.openxmlformats.org/presentationml/2006/main">
   <p:cSld>
     <p:spTree>
@@ -13853,7 +14936,7 @@
 </p:sld>
 </file>
 
-<file path=ppt/slides/slide26.xml><?xml version="1.0" encoding="utf-8"?>
+<file path=ppt/slides/slide28.xml><?xml version="1.0" encoding="utf-8"?>
 <p:sld xmlns:a="http://schemas.openxmlformats.org/drawingml/2006/main" xmlns:r="http://schemas.openxmlformats.org/officeDocument/2006/relationships" xmlns:p="http://schemas.openxmlformats.org/presentationml/2006/main">
   <p:cSld>
     <p:spTree>
@@ -14007,7 +15090,7 @@
 </p:sld>
 </file>
 
-<file path=ppt/slides/slide27.xml><?xml version="1.0" encoding="utf-8"?>
+<file path=ppt/slides/slide29.xml><?xml version="1.0" encoding="utf-8"?>
 <p:sld xmlns:a="http://schemas.openxmlformats.org/drawingml/2006/main" xmlns:r="http://schemas.openxmlformats.org/officeDocument/2006/relationships" xmlns:p="http://schemas.openxmlformats.org/presentationml/2006/main">
   <p:cSld>
     <p:spTree>
@@ -14161,7 +15244,7 @@
 </p:sld>
 </file>
 
-<file path=ppt/slides/slide28.xml><?xml version="1.0" encoding="utf-8"?>
+<file path=ppt/slides/slide3.xml><?xml version="1.0" encoding="utf-8"?>
 <p:sld xmlns:a="http://schemas.openxmlformats.org/drawingml/2006/main" xmlns:r="http://schemas.openxmlformats.org/officeDocument/2006/relationships" xmlns:p="http://schemas.openxmlformats.org/presentationml/2006/main">
   <p:cSld>
     <p:spTree>
@@ -14209,6 +15292,81 @@
             <a:pPr algn="l"/>
             <a:r>
               <a:rPr lang="en-US" altLang="ko-KR" sz="4000" b="1" dirty="0"/>
+              <a:t>Integration Testing in</a:t>
+            </a:r>
+            <a:r>
+              <a:rPr lang="ko-KR" altLang="en-US" sz="4000" b="1" dirty="0"/>
+              <a:t> </a:t>
+            </a:r>
+            <a:r>
+              <a:rPr lang="en-US" altLang="ko-KR" sz="4000" b="1" dirty="0"/>
+              <a:t>Spring Boot</a:t>
+            </a:r>
+            <a:endParaRPr lang="ko-KR" altLang="en-US" sz="4000" b="1" dirty="0"/>
+          </a:p>
+        </p:txBody>
+      </p:sp>
+    </p:spTree>
+    <p:extLst>
+      <p:ext uri="{BB962C8B-B14F-4D97-AF65-F5344CB8AC3E}">
+        <p14:creationId xmlns:p14="http://schemas.microsoft.com/office/powerpoint/2010/main" val="2261688243"/>
+      </p:ext>
+    </p:extLst>
+  </p:cSld>
+  <p:clrMapOvr>
+    <a:masterClrMapping/>
+  </p:clrMapOvr>
+</p:sld>
+</file>
+
+<file path=ppt/slides/slide30.xml><?xml version="1.0" encoding="utf-8"?>
+<p:sld xmlns:a="http://schemas.openxmlformats.org/drawingml/2006/main" xmlns:r="http://schemas.openxmlformats.org/officeDocument/2006/relationships" xmlns:p="http://schemas.openxmlformats.org/presentationml/2006/main">
+  <p:cSld>
+    <p:spTree>
+      <p:nvGrpSpPr>
+        <p:cNvPr id="1" name=""/>
+        <p:cNvGrpSpPr/>
+        <p:nvPr/>
+      </p:nvGrpSpPr>
+      <p:grpSpPr>
+        <a:xfrm>
+          <a:off x="0" y="0"/>
+          <a:ext cx="0" cy="0"/>
+          <a:chOff x="0" y="0"/>
+          <a:chExt cx="0" cy="0"/>
+        </a:xfrm>
+      </p:grpSpPr>
+      <p:sp>
+        <p:nvSpPr>
+          <p:cNvPr id="2" name="제목 1">
+            <a:extLst>
+              <a:ext uri="{FF2B5EF4-FFF2-40B4-BE49-F238E27FC236}">
+                <a16:creationId xmlns:a16="http://schemas.microsoft.com/office/drawing/2014/main" id="{A84C0D12-CC29-8011-2D85-7B1C98F71370}"/>
+              </a:ext>
+            </a:extLst>
+          </p:cNvPr>
+          <p:cNvSpPr>
+            <a:spLocks noGrp="1"/>
+          </p:cNvSpPr>
+          <p:nvPr>
+            <p:ph type="ctrTitle"/>
+          </p:nvPr>
+        </p:nvSpPr>
+        <p:spPr>
+          <a:xfrm>
+            <a:off x="842772" y="2879830"/>
+            <a:ext cx="10506455" cy="1098340"/>
+          </a:xfrm>
+        </p:spPr>
+        <p:txBody>
+          <a:bodyPr>
+            <a:normAutofit/>
+          </a:bodyPr>
+          <a:lstStyle/>
+          <a:p>
+            <a:pPr algn="l"/>
+            <a:r>
+              <a:rPr lang="en-US" altLang="ko-KR" sz="4000" b="1" dirty="0"/>
               <a:t>Example Code / DB</a:t>
             </a:r>
             <a:endParaRPr lang="ko-KR" altLang="en-US" sz="4000" b="1" dirty="0"/>
@@ -14228,7 +15386,7 @@
 </p:sld>
 </file>
 
-<file path=ppt/slides/slide29.xml><?xml version="1.0" encoding="utf-8"?>
+<file path=ppt/slides/slide31.xml><?xml version="1.0" encoding="utf-8"?>
 <p:sld xmlns:a="http://schemas.openxmlformats.org/drawingml/2006/main" xmlns:r="http://schemas.openxmlformats.org/officeDocument/2006/relationships" xmlns:p="http://schemas.openxmlformats.org/presentationml/2006/main">
   <p:cSld>
     <p:spTree>
@@ -14378,82 +15536,7 @@
 </p:sld>
 </file>
 
-<file path=ppt/slides/slide3.xml><?xml version="1.0" encoding="utf-8"?>
-<p:sld xmlns:a="http://schemas.openxmlformats.org/drawingml/2006/main" xmlns:r="http://schemas.openxmlformats.org/officeDocument/2006/relationships" xmlns:p="http://schemas.openxmlformats.org/presentationml/2006/main">
-  <p:cSld>
-    <p:spTree>
-      <p:nvGrpSpPr>
-        <p:cNvPr id="1" name=""/>
-        <p:cNvGrpSpPr/>
-        <p:nvPr/>
-      </p:nvGrpSpPr>
-      <p:grpSpPr>
-        <a:xfrm>
-          <a:off x="0" y="0"/>
-          <a:ext cx="0" cy="0"/>
-          <a:chOff x="0" y="0"/>
-          <a:chExt cx="0" cy="0"/>
-        </a:xfrm>
-      </p:grpSpPr>
-      <p:sp>
-        <p:nvSpPr>
-          <p:cNvPr id="2" name="제목 1">
-            <a:extLst>
-              <a:ext uri="{FF2B5EF4-FFF2-40B4-BE49-F238E27FC236}">
-                <a16:creationId xmlns:a16="http://schemas.microsoft.com/office/drawing/2014/main" id="{A84C0D12-CC29-8011-2D85-7B1C98F71370}"/>
-              </a:ext>
-            </a:extLst>
-          </p:cNvPr>
-          <p:cNvSpPr>
-            <a:spLocks noGrp="1"/>
-          </p:cNvSpPr>
-          <p:nvPr>
-            <p:ph type="ctrTitle"/>
-          </p:nvPr>
-        </p:nvSpPr>
-        <p:spPr>
-          <a:xfrm>
-            <a:off x="842772" y="2879830"/>
-            <a:ext cx="10506455" cy="1098340"/>
-          </a:xfrm>
-        </p:spPr>
-        <p:txBody>
-          <a:bodyPr>
-            <a:normAutofit/>
-          </a:bodyPr>
-          <a:lstStyle/>
-          <a:p>
-            <a:pPr algn="l"/>
-            <a:r>
-              <a:rPr lang="en-US" altLang="ko-KR" sz="4000" b="1" dirty="0"/>
-              <a:t>Integration Testing in</a:t>
-            </a:r>
-            <a:r>
-              <a:rPr lang="ko-KR" altLang="en-US" sz="4000" b="1" dirty="0"/>
-              <a:t> </a:t>
-            </a:r>
-            <a:r>
-              <a:rPr lang="en-US" altLang="ko-KR" sz="4000" b="1" dirty="0"/>
-              <a:t>Spring Boot</a:t>
-            </a:r>
-            <a:endParaRPr lang="ko-KR" altLang="en-US" sz="4000" b="1" dirty="0"/>
-          </a:p>
-        </p:txBody>
-      </p:sp>
-    </p:spTree>
-    <p:extLst>
-      <p:ext uri="{BB962C8B-B14F-4D97-AF65-F5344CB8AC3E}">
-        <p14:creationId xmlns:p14="http://schemas.microsoft.com/office/powerpoint/2010/main" val="2261688243"/>
-      </p:ext>
-    </p:extLst>
-  </p:cSld>
-  <p:clrMapOvr>
-    <a:masterClrMapping/>
-  </p:clrMapOvr>
-</p:sld>
-</file>
-
-<file path=ppt/slides/slide30.xml><?xml version="1.0" encoding="utf-8"?>
+<file path=ppt/slides/slide32.xml><?xml version="1.0" encoding="utf-8"?>
 <p:sld xmlns:a="http://schemas.openxmlformats.org/drawingml/2006/main" xmlns:r="http://schemas.openxmlformats.org/officeDocument/2006/relationships" xmlns:p="http://schemas.openxmlformats.org/presentationml/2006/main">
   <p:cSld>
     <p:spTree>
@@ -14633,7 +15716,7 @@
 </p:sld>
 </file>
 
-<file path=ppt/slides/slide31.xml><?xml version="1.0" encoding="utf-8"?>
+<file path=ppt/slides/slide33.xml><?xml version="1.0" encoding="utf-8"?>
 <p:sld xmlns:a="http://schemas.openxmlformats.org/drawingml/2006/main" xmlns:r="http://schemas.openxmlformats.org/officeDocument/2006/relationships" xmlns:p="http://schemas.openxmlformats.org/presentationml/2006/main">
   <p:cSld>
     <p:spTree>
@@ -14783,7 +15866,7 @@
 </p:sld>
 </file>
 
-<file path=ppt/slides/slide32.xml><?xml version="1.0" encoding="utf-8"?>
+<file path=ppt/slides/slide34.xml><?xml version="1.0" encoding="utf-8"?>
 <p:sld xmlns:a="http://schemas.openxmlformats.org/drawingml/2006/main" xmlns:r="http://schemas.openxmlformats.org/officeDocument/2006/relationships" xmlns:p="http://schemas.openxmlformats.org/presentationml/2006/main">
   <p:cSld>
     <p:spTree>
@@ -14963,7 +16046,7 @@
 </p:sld>
 </file>
 
-<file path=ppt/slides/slide33.xml><?xml version="1.0" encoding="utf-8"?>
+<file path=ppt/slides/slide35.xml><?xml version="1.0" encoding="utf-8"?>
 <p:sld xmlns:a="http://schemas.openxmlformats.org/drawingml/2006/main" xmlns:r="http://schemas.openxmlformats.org/officeDocument/2006/relationships" xmlns:p="http://schemas.openxmlformats.org/presentationml/2006/main">
   <p:cSld>
     <p:spTree>
@@ -16708,10 +17791,10 @@
       </p:sp>
       <p:pic>
         <p:nvPicPr>
-          <p:cNvPr id="5" name="그림 4">
-            <a:extLst>
-              <a:ext uri="{FF2B5EF4-FFF2-40B4-BE49-F238E27FC236}">
-                <a16:creationId xmlns:a16="http://schemas.microsoft.com/office/drawing/2014/main" id="{A2FB9A12-DA8C-87A8-54F1-7CEC95676A9D}"/>
+          <p:cNvPr id="6" name="그림 5">
+            <a:extLst>
+              <a:ext uri="{FF2B5EF4-FFF2-40B4-BE49-F238E27FC236}">
+                <a16:creationId xmlns:a16="http://schemas.microsoft.com/office/drawing/2014/main" id="{AFF7EA4B-91C5-FD33-88D9-E8748B36799F}"/>
               </a:ext>
             </a:extLst>
           </p:cNvPr>
@@ -16728,8 +17811,8 @@
         </p:blipFill>
         <p:spPr>
           <a:xfrm>
-            <a:off x="1544187" y="1834823"/>
-            <a:ext cx="8932175" cy="4395756"/>
+            <a:off x="1465902" y="1783080"/>
+            <a:ext cx="8864195" cy="4398264"/>
           </a:xfrm>
           <a:prstGeom prst="rect">
             <a:avLst/>
